--- a/clases/Cap06_Clustering/presentations/PAT06_GaussMix.pptx
+++ b/clases/Cap06_Clustering/presentations/PAT06_GaussMix.pptx
@@ -220,7 +220,7 @@
           <a:p>
             <a:fld id="{089CB84B-3086-824D-91F5-F571CFDD3E7D}" type="datetimeFigureOut">
               <a:rPr lang="en-US" smtClean="0"/>
-              <a:t>6/7/18</a:t>
+              <a:t>6/4/19</a:t>
             </a:fld>
             <a:endParaRPr lang="en-US"/>
           </a:p>
@@ -284,35 +284,35 @@
           <a:p>
             <a:pPr lvl="0"/>
             <a:r>
-              <a:rPr lang="es-ES_tradnl" smtClean="0"/>
+              <a:rPr lang="es-ES_tradnl"/>
               <a:t>Click to edit Master text styles</a:t>
             </a:r>
           </a:p>
           <a:p>
             <a:pPr lvl="1"/>
             <a:r>
-              <a:rPr lang="es-ES_tradnl" smtClean="0"/>
+              <a:rPr lang="es-ES_tradnl"/>
               <a:t>Second level</a:t>
             </a:r>
           </a:p>
           <a:p>
             <a:pPr lvl="2"/>
             <a:r>
-              <a:rPr lang="es-ES_tradnl" smtClean="0"/>
+              <a:rPr lang="es-ES_tradnl"/>
               <a:t>Third level</a:t>
             </a:r>
           </a:p>
           <a:p>
             <a:pPr lvl="3"/>
             <a:r>
-              <a:rPr lang="es-ES_tradnl" smtClean="0"/>
+              <a:rPr lang="es-ES_tradnl"/>
               <a:t>Fourth level</a:t>
             </a:r>
           </a:p>
           <a:p>
             <a:pPr lvl="4"/>
             <a:r>
-              <a:rPr lang="es-ES_tradnl" smtClean="0"/>
+              <a:rPr lang="es-ES_tradnl"/>
               <a:t>Fifth level</a:t>
             </a:r>
             <a:endParaRPr lang="en-US"/>
@@ -564,7 +564,7 @@
           <a:lstStyle/>
           <a:p>
             <a:pPr eaLnBrk="1" hangingPunct="1"/>
-            <a:endParaRPr lang="es-ES" smtClean="0"/>
+            <a:endParaRPr lang="es-ES"/>
           </a:p>
         </p:txBody>
       </p:sp>
@@ -619,10 +619,9 @@
           <a:lstStyle/>
           <a:p>
             <a:r>
-              <a:rPr lang="en-US" smtClean="0"/>
+              <a:rPr lang="en-US"/>
               <a:t>Click to edit Master title style</a:t>
             </a:r>
-            <a:endParaRPr lang="en-US"/>
           </a:p>
         </p:txBody>
       </p:sp>
@@ -738,10 +737,9 @@
           </a:lstStyle>
           <a:p>
             <a:r>
-              <a:rPr lang="en-US" smtClean="0"/>
+              <a:rPr lang="en-US"/>
               <a:t>Click to edit Master subtitle style</a:t>
             </a:r>
-            <a:endParaRPr lang="en-US"/>
           </a:p>
         </p:txBody>
       </p:sp>
@@ -762,7 +760,7 @@
           <a:p>
             <a:fld id="{D3AE09B4-90D0-1245-B83D-B1B2932963E4}" type="datetimeFigureOut">
               <a:rPr lang="en-US" smtClean="0"/>
-              <a:t>6/7/18</a:t>
+              <a:t>6/4/19</a:t>
             </a:fld>
             <a:endParaRPr lang="en-US"/>
           </a:p>
@@ -856,7 +854,7 @@
           <a:lstStyle/>
           <a:p>
             <a:r>
-              <a:rPr lang="es-ES_tradnl" smtClean="0"/>
+              <a:rPr lang="es-ES_tradnl"/>
               <a:t>Click to edit Master title style</a:t>
             </a:r>
             <a:endParaRPr lang="en-US"/>
@@ -880,35 +878,35 @@
           <a:p>
             <a:pPr lvl="0"/>
             <a:r>
-              <a:rPr lang="es-ES_tradnl" smtClean="0"/>
+              <a:rPr lang="es-ES_tradnl"/>
               <a:t>Click to edit Master text styles</a:t>
             </a:r>
           </a:p>
           <a:p>
             <a:pPr lvl="1"/>
             <a:r>
-              <a:rPr lang="es-ES_tradnl" smtClean="0"/>
+              <a:rPr lang="es-ES_tradnl"/>
               <a:t>Second level</a:t>
             </a:r>
           </a:p>
           <a:p>
             <a:pPr lvl="2"/>
             <a:r>
-              <a:rPr lang="es-ES_tradnl" smtClean="0"/>
+              <a:rPr lang="es-ES_tradnl"/>
               <a:t>Third level</a:t>
             </a:r>
           </a:p>
           <a:p>
             <a:pPr lvl="3"/>
             <a:r>
-              <a:rPr lang="es-ES_tradnl" smtClean="0"/>
+              <a:rPr lang="es-ES_tradnl"/>
               <a:t>Fourth level</a:t>
             </a:r>
           </a:p>
           <a:p>
             <a:pPr lvl="4"/>
             <a:r>
-              <a:rPr lang="es-ES_tradnl" smtClean="0"/>
+              <a:rPr lang="es-ES_tradnl"/>
               <a:t>Fifth level</a:t>
             </a:r>
             <a:endParaRPr lang="en-US"/>
@@ -932,7 +930,7 @@
           <a:p>
             <a:fld id="{D3AE09B4-90D0-1245-B83D-B1B2932963E4}" type="datetimeFigureOut">
               <a:rPr lang="en-US" smtClean="0"/>
-              <a:t>6/7/18</a:t>
+              <a:t>6/4/19</a:t>
             </a:fld>
             <a:endParaRPr lang="en-US"/>
           </a:p>
@@ -1031,7 +1029,7 @@
           <a:lstStyle/>
           <a:p>
             <a:r>
-              <a:rPr lang="es-ES_tradnl" smtClean="0"/>
+              <a:rPr lang="es-ES_tradnl"/>
               <a:t>Click to edit Master title style</a:t>
             </a:r>
             <a:endParaRPr lang="en-US"/>
@@ -1060,35 +1058,35 @@
           <a:p>
             <a:pPr lvl="0"/>
             <a:r>
-              <a:rPr lang="es-ES_tradnl" smtClean="0"/>
+              <a:rPr lang="es-ES_tradnl"/>
               <a:t>Click to edit Master text styles</a:t>
             </a:r>
           </a:p>
           <a:p>
             <a:pPr lvl="1"/>
             <a:r>
-              <a:rPr lang="es-ES_tradnl" smtClean="0"/>
+              <a:rPr lang="es-ES_tradnl"/>
               <a:t>Second level</a:t>
             </a:r>
           </a:p>
           <a:p>
             <a:pPr lvl="2"/>
             <a:r>
-              <a:rPr lang="es-ES_tradnl" smtClean="0"/>
+              <a:rPr lang="es-ES_tradnl"/>
               <a:t>Third level</a:t>
             </a:r>
           </a:p>
           <a:p>
             <a:pPr lvl="3"/>
             <a:r>
-              <a:rPr lang="es-ES_tradnl" smtClean="0"/>
+              <a:rPr lang="es-ES_tradnl"/>
               <a:t>Fourth level</a:t>
             </a:r>
           </a:p>
           <a:p>
             <a:pPr lvl="4"/>
             <a:r>
-              <a:rPr lang="es-ES_tradnl" smtClean="0"/>
+              <a:rPr lang="es-ES_tradnl"/>
               <a:t>Fifth level</a:t>
             </a:r>
             <a:endParaRPr lang="en-US"/>
@@ -1112,7 +1110,7 @@
           <a:p>
             <a:fld id="{D3AE09B4-90D0-1245-B83D-B1B2932963E4}" type="datetimeFigureOut">
               <a:rPr lang="en-US" smtClean="0"/>
-              <a:t>6/7/18</a:t>
+              <a:t>6/4/19</a:t>
             </a:fld>
             <a:endParaRPr lang="en-US"/>
           </a:p>
@@ -1206,7 +1204,7 @@
           <a:lstStyle/>
           <a:p>
             <a:r>
-              <a:rPr lang="es-ES_tradnl" smtClean="0"/>
+              <a:rPr lang="es-ES_tradnl"/>
               <a:t>Click to edit Master title style</a:t>
             </a:r>
             <a:endParaRPr lang="en-US"/>
@@ -1230,35 +1228,35 @@
           <a:p>
             <a:pPr lvl="0"/>
             <a:r>
-              <a:rPr lang="es-ES_tradnl" smtClean="0"/>
+              <a:rPr lang="es-ES_tradnl"/>
               <a:t>Click to edit Master text styles</a:t>
             </a:r>
           </a:p>
           <a:p>
             <a:pPr lvl="1"/>
             <a:r>
-              <a:rPr lang="es-ES_tradnl" smtClean="0"/>
+              <a:rPr lang="es-ES_tradnl"/>
               <a:t>Second level</a:t>
             </a:r>
           </a:p>
           <a:p>
             <a:pPr lvl="2"/>
             <a:r>
-              <a:rPr lang="es-ES_tradnl" smtClean="0"/>
+              <a:rPr lang="es-ES_tradnl"/>
               <a:t>Third level</a:t>
             </a:r>
           </a:p>
           <a:p>
             <a:pPr lvl="3"/>
             <a:r>
-              <a:rPr lang="es-ES_tradnl" smtClean="0"/>
+              <a:rPr lang="es-ES_tradnl"/>
               <a:t>Fourth level</a:t>
             </a:r>
           </a:p>
           <a:p>
             <a:pPr lvl="4"/>
             <a:r>
-              <a:rPr lang="es-ES_tradnl" smtClean="0"/>
+              <a:rPr lang="es-ES_tradnl"/>
               <a:t>Fifth level</a:t>
             </a:r>
             <a:endParaRPr lang="en-US"/>
@@ -1282,7 +1280,7 @@
           <a:p>
             <a:fld id="{D3AE09B4-90D0-1245-B83D-B1B2932963E4}" type="datetimeFigureOut">
               <a:rPr lang="en-US" smtClean="0"/>
-              <a:t>6/7/18</a:t>
+              <a:t>6/4/19</a:t>
             </a:fld>
             <a:endParaRPr lang="en-US"/>
           </a:p>
@@ -1385,7 +1383,7 @@
           </a:lstStyle>
           <a:p>
             <a:r>
-              <a:rPr lang="es-ES_tradnl" smtClean="0"/>
+              <a:rPr lang="es-ES_tradnl"/>
               <a:t>Click to edit Master title style</a:t>
             </a:r>
             <a:endParaRPr lang="en-US"/>
@@ -1505,7 +1503,7 @@
           <a:p>
             <a:pPr lvl="0"/>
             <a:r>
-              <a:rPr lang="es-ES_tradnl" smtClean="0"/>
+              <a:rPr lang="es-ES_tradnl"/>
               <a:t>Click to edit Master text styles</a:t>
             </a:r>
           </a:p>
@@ -1528,7 +1526,7 @@
           <a:p>
             <a:fld id="{D3AE09B4-90D0-1245-B83D-B1B2932963E4}" type="datetimeFigureOut">
               <a:rPr lang="en-US" smtClean="0"/>
-              <a:t>6/7/18</a:t>
+              <a:t>6/4/19</a:t>
             </a:fld>
             <a:endParaRPr lang="en-US"/>
           </a:p>
@@ -1622,7 +1620,7 @@
           <a:lstStyle/>
           <a:p>
             <a:r>
-              <a:rPr lang="es-ES_tradnl" smtClean="0"/>
+              <a:rPr lang="es-ES_tradnl"/>
               <a:t>Click to edit Master title style</a:t>
             </a:r>
             <a:endParaRPr lang="en-US"/>
@@ -1679,35 +1677,35 @@
           <a:p>
             <a:pPr lvl="0"/>
             <a:r>
-              <a:rPr lang="es-ES_tradnl" smtClean="0"/>
+              <a:rPr lang="es-ES_tradnl"/>
               <a:t>Click to edit Master text styles</a:t>
             </a:r>
           </a:p>
           <a:p>
             <a:pPr lvl="1"/>
             <a:r>
-              <a:rPr lang="es-ES_tradnl" smtClean="0"/>
+              <a:rPr lang="es-ES_tradnl"/>
               <a:t>Second level</a:t>
             </a:r>
           </a:p>
           <a:p>
             <a:pPr lvl="2"/>
             <a:r>
-              <a:rPr lang="es-ES_tradnl" smtClean="0"/>
+              <a:rPr lang="es-ES_tradnl"/>
               <a:t>Third level</a:t>
             </a:r>
           </a:p>
           <a:p>
             <a:pPr lvl="3"/>
             <a:r>
-              <a:rPr lang="es-ES_tradnl" smtClean="0"/>
+              <a:rPr lang="es-ES_tradnl"/>
               <a:t>Fourth level</a:t>
             </a:r>
           </a:p>
           <a:p>
             <a:pPr lvl="4"/>
             <a:r>
-              <a:rPr lang="es-ES_tradnl" smtClean="0"/>
+              <a:rPr lang="es-ES_tradnl"/>
               <a:t>Fifth level</a:t>
             </a:r>
             <a:endParaRPr lang="en-US"/>
@@ -1764,35 +1762,35 @@
           <a:p>
             <a:pPr lvl="0"/>
             <a:r>
-              <a:rPr lang="es-ES_tradnl" smtClean="0"/>
+              <a:rPr lang="es-ES_tradnl"/>
               <a:t>Click to edit Master text styles</a:t>
             </a:r>
           </a:p>
           <a:p>
             <a:pPr lvl="1"/>
             <a:r>
-              <a:rPr lang="es-ES_tradnl" smtClean="0"/>
+              <a:rPr lang="es-ES_tradnl"/>
               <a:t>Second level</a:t>
             </a:r>
           </a:p>
           <a:p>
             <a:pPr lvl="2"/>
             <a:r>
-              <a:rPr lang="es-ES_tradnl" smtClean="0"/>
+              <a:rPr lang="es-ES_tradnl"/>
               <a:t>Third level</a:t>
             </a:r>
           </a:p>
           <a:p>
             <a:pPr lvl="3"/>
             <a:r>
-              <a:rPr lang="es-ES_tradnl" smtClean="0"/>
+              <a:rPr lang="es-ES_tradnl"/>
               <a:t>Fourth level</a:t>
             </a:r>
           </a:p>
           <a:p>
             <a:pPr lvl="4"/>
             <a:r>
-              <a:rPr lang="es-ES_tradnl" smtClean="0"/>
+              <a:rPr lang="es-ES_tradnl"/>
               <a:t>Fifth level</a:t>
             </a:r>
             <a:endParaRPr lang="en-US"/>
@@ -1816,7 +1814,7 @@
           <a:p>
             <a:fld id="{D3AE09B4-90D0-1245-B83D-B1B2932963E4}" type="datetimeFigureOut">
               <a:rPr lang="en-US" smtClean="0"/>
-              <a:t>6/7/18</a:t>
+              <a:t>6/4/19</a:t>
             </a:fld>
             <a:endParaRPr lang="en-US"/>
           </a:p>
@@ -1914,7 +1912,7 @@
           </a:lstStyle>
           <a:p>
             <a:r>
-              <a:rPr lang="es-ES_tradnl" smtClean="0"/>
+              <a:rPr lang="es-ES_tradnl"/>
               <a:t>Click to edit Master title style</a:t>
             </a:r>
             <a:endParaRPr lang="en-US"/>
@@ -1980,7 +1978,7 @@
           <a:p>
             <a:pPr lvl="0"/>
             <a:r>
-              <a:rPr lang="es-ES_tradnl" smtClean="0"/>
+              <a:rPr lang="es-ES_tradnl"/>
               <a:t>Click to edit Master text styles</a:t>
             </a:r>
           </a:p>
@@ -2036,35 +2034,35 @@
           <a:p>
             <a:pPr lvl="0"/>
             <a:r>
-              <a:rPr lang="es-ES_tradnl" smtClean="0"/>
+              <a:rPr lang="es-ES_tradnl"/>
               <a:t>Click to edit Master text styles</a:t>
             </a:r>
           </a:p>
           <a:p>
             <a:pPr lvl="1"/>
             <a:r>
-              <a:rPr lang="es-ES_tradnl" smtClean="0"/>
+              <a:rPr lang="es-ES_tradnl"/>
               <a:t>Second level</a:t>
             </a:r>
           </a:p>
           <a:p>
             <a:pPr lvl="2"/>
             <a:r>
-              <a:rPr lang="es-ES_tradnl" smtClean="0"/>
+              <a:rPr lang="es-ES_tradnl"/>
               <a:t>Third level</a:t>
             </a:r>
           </a:p>
           <a:p>
             <a:pPr lvl="3"/>
             <a:r>
-              <a:rPr lang="es-ES_tradnl" smtClean="0"/>
+              <a:rPr lang="es-ES_tradnl"/>
               <a:t>Fourth level</a:t>
             </a:r>
           </a:p>
           <a:p>
             <a:pPr lvl="4"/>
             <a:r>
-              <a:rPr lang="es-ES_tradnl" smtClean="0"/>
+              <a:rPr lang="es-ES_tradnl"/>
               <a:t>Fifth level</a:t>
             </a:r>
             <a:endParaRPr lang="en-US"/>
@@ -2130,7 +2128,7 @@
           <a:p>
             <a:pPr lvl="0"/>
             <a:r>
-              <a:rPr lang="es-ES_tradnl" smtClean="0"/>
+              <a:rPr lang="es-ES_tradnl"/>
               <a:t>Click to edit Master text styles</a:t>
             </a:r>
           </a:p>
@@ -2186,35 +2184,35 @@
           <a:p>
             <a:pPr lvl="0"/>
             <a:r>
-              <a:rPr lang="es-ES_tradnl" smtClean="0"/>
+              <a:rPr lang="es-ES_tradnl"/>
               <a:t>Click to edit Master text styles</a:t>
             </a:r>
           </a:p>
           <a:p>
             <a:pPr lvl="1"/>
             <a:r>
-              <a:rPr lang="es-ES_tradnl" smtClean="0"/>
+              <a:rPr lang="es-ES_tradnl"/>
               <a:t>Second level</a:t>
             </a:r>
           </a:p>
           <a:p>
             <a:pPr lvl="2"/>
             <a:r>
-              <a:rPr lang="es-ES_tradnl" smtClean="0"/>
+              <a:rPr lang="es-ES_tradnl"/>
               <a:t>Third level</a:t>
             </a:r>
           </a:p>
           <a:p>
             <a:pPr lvl="3"/>
             <a:r>
-              <a:rPr lang="es-ES_tradnl" smtClean="0"/>
+              <a:rPr lang="es-ES_tradnl"/>
               <a:t>Fourth level</a:t>
             </a:r>
           </a:p>
           <a:p>
             <a:pPr lvl="4"/>
             <a:r>
-              <a:rPr lang="es-ES_tradnl" smtClean="0"/>
+              <a:rPr lang="es-ES_tradnl"/>
               <a:t>Fifth level</a:t>
             </a:r>
             <a:endParaRPr lang="en-US"/>
@@ -2238,7 +2236,7 @@
           <a:p>
             <a:fld id="{D3AE09B4-90D0-1245-B83D-B1B2932963E4}" type="datetimeFigureOut">
               <a:rPr lang="en-US" smtClean="0"/>
-              <a:t>6/7/18</a:t>
+              <a:t>6/4/19</a:t>
             </a:fld>
             <a:endParaRPr lang="en-US"/>
           </a:p>
@@ -2332,7 +2330,7 @@
           <a:lstStyle/>
           <a:p>
             <a:r>
-              <a:rPr lang="es-ES_tradnl" smtClean="0"/>
+              <a:rPr lang="es-ES_tradnl"/>
               <a:t>Click to edit Master title style</a:t>
             </a:r>
             <a:endParaRPr lang="en-US"/>
@@ -2356,7 +2354,7 @@
           <a:p>
             <a:fld id="{D3AE09B4-90D0-1245-B83D-B1B2932963E4}" type="datetimeFigureOut">
               <a:rPr lang="en-US" smtClean="0"/>
-              <a:t>6/7/18</a:t>
+              <a:t>6/4/19</a:t>
             </a:fld>
             <a:endParaRPr lang="en-US"/>
           </a:p>
@@ -2451,7 +2449,7 @@
           <a:p>
             <a:fld id="{D3AE09B4-90D0-1245-B83D-B1B2932963E4}" type="datetimeFigureOut">
               <a:rPr lang="en-US" smtClean="0"/>
-              <a:t>6/7/18</a:t>
+              <a:t>6/4/19</a:t>
             </a:fld>
             <a:endParaRPr lang="en-US"/>
           </a:p>
@@ -2554,7 +2552,7 @@
           </a:lstStyle>
           <a:p>
             <a:r>
-              <a:rPr lang="es-ES_tradnl" smtClean="0"/>
+              <a:rPr lang="es-ES_tradnl"/>
               <a:t>Click to edit Master title style</a:t>
             </a:r>
             <a:endParaRPr lang="en-US"/>
@@ -2611,35 +2609,35 @@
           <a:p>
             <a:pPr lvl="0"/>
             <a:r>
-              <a:rPr lang="es-ES_tradnl" smtClean="0"/>
+              <a:rPr lang="es-ES_tradnl"/>
               <a:t>Click to edit Master text styles</a:t>
             </a:r>
           </a:p>
           <a:p>
             <a:pPr lvl="1"/>
             <a:r>
-              <a:rPr lang="es-ES_tradnl" smtClean="0"/>
+              <a:rPr lang="es-ES_tradnl"/>
               <a:t>Second level</a:t>
             </a:r>
           </a:p>
           <a:p>
             <a:pPr lvl="2"/>
             <a:r>
-              <a:rPr lang="es-ES_tradnl" smtClean="0"/>
+              <a:rPr lang="es-ES_tradnl"/>
               <a:t>Third level</a:t>
             </a:r>
           </a:p>
           <a:p>
             <a:pPr lvl="3"/>
             <a:r>
-              <a:rPr lang="es-ES_tradnl" smtClean="0"/>
+              <a:rPr lang="es-ES_tradnl"/>
               <a:t>Fourth level</a:t>
             </a:r>
           </a:p>
           <a:p>
             <a:pPr lvl="4"/>
             <a:r>
-              <a:rPr lang="es-ES_tradnl" smtClean="0"/>
+              <a:rPr lang="es-ES_tradnl"/>
               <a:t>Fifth level</a:t>
             </a:r>
             <a:endParaRPr lang="en-US"/>
@@ -2705,7 +2703,7 @@
           <a:p>
             <a:pPr lvl="0"/>
             <a:r>
-              <a:rPr lang="es-ES_tradnl" smtClean="0"/>
+              <a:rPr lang="es-ES_tradnl"/>
               <a:t>Click to edit Master text styles</a:t>
             </a:r>
           </a:p>
@@ -2728,7 +2726,7 @@
           <a:p>
             <a:fld id="{D3AE09B4-90D0-1245-B83D-B1B2932963E4}" type="datetimeFigureOut">
               <a:rPr lang="en-US" smtClean="0"/>
-              <a:t>6/7/18</a:t>
+              <a:t>6/4/19</a:t>
             </a:fld>
             <a:endParaRPr lang="en-US"/>
           </a:p>
@@ -2831,7 +2829,7 @@
           </a:lstStyle>
           <a:p>
             <a:r>
-              <a:rPr lang="es-ES_tradnl" smtClean="0"/>
+              <a:rPr lang="es-ES_tradnl"/>
               <a:t>Click to edit Master title style</a:t>
             </a:r>
             <a:endParaRPr lang="en-US"/>
@@ -2958,7 +2956,7 @@
           <a:p>
             <a:pPr lvl="0"/>
             <a:r>
-              <a:rPr lang="es-ES_tradnl" smtClean="0"/>
+              <a:rPr lang="es-ES_tradnl"/>
               <a:t>Click to edit Master text styles</a:t>
             </a:r>
           </a:p>
@@ -2981,7 +2979,7 @@
           <a:p>
             <a:fld id="{D3AE09B4-90D0-1245-B83D-B1B2932963E4}" type="datetimeFigureOut">
               <a:rPr lang="en-US" smtClean="0"/>
-              <a:t>6/7/18</a:t>
+              <a:t>6/4/19</a:t>
             </a:fld>
             <a:endParaRPr lang="en-US"/>
           </a:p>
@@ -3090,10 +3088,9 @@
           <a:lstStyle/>
           <a:p>
             <a:r>
-              <a:rPr lang="en-US" smtClean="0"/>
+              <a:rPr lang="en-US"/>
               <a:t>Click to edit Master title style</a:t>
             </a:r>
-            <a:endParaRPr lang="en-US"/>
           </a:p>
         </p:txBody>
       </p:sp>
@@ -3124,38 +3121,37 @@
           <a:p>
             <a:pPr lvl="0"/>
             <a:r>
-              <a:rPr lang="en-US" smtClean="0"/>
+              <a:rPr lang="en-US"/>
               <a:t>Click to edit Master text styles</a:t>
             </a:r>
           </a:p>
           <a:p>
             <a:pPr lvl="1"/>
             <a:r>
-              <a:rPr lang="en-US" smtClean="0"/>
+              <a:rPr lang="en-US"/>
               <a:t>Second level</a:t>
             </a:r>
           </a:p>
           <a:p>
             <a:pPr lvl="2"/>
             <a:r>
-              <a:rPr lang="en-US" smtClean="0"/>
+              <a:rPr lang="en-US"/>
               <a:t>Third level</a:t>
             </a:r>
           </a:p>
           <a:p>
             <a:pPr lvl="3"/>
             <a:r>
-              <a:rPr lang="en-US" smtClean="0"/>
+              <a:rPr lang="en-US"/>
               <a:t>Fourth level</a:t>
             </a:r>
           </a:p>
           <a:p>
             <a:pPr lvl="4"/>
             <a:r>
-              <a:rPr lang="en-US" smtClean="0"/>
+              <a:rPr lang="en-US"/>
               <a:t>Fifth level</a:t>
             </a:r>
-            <a:endParaRPr lang="en-US"/>
           </a:p>
         </p:txBody>
       </p:sp>
@@ -3194,7 +3190,7 @@
           <a:p>
             <a:fld id="{D3AE09B4-90D0-1245-B83D-B1B2932963E4}" type="datetimeFigureOut">
               <a:rPr lang="en-US" smtClean="0"/>
-              <a:t>6/7/18</a:t>
+              <a:t>6/4/19</a:t>
             </a:fld>
             <a:endParaRPr lang="en-US"/>
           </a:p>
@@ -3609,7 +3605,7 @@
           <a:p>
             <a:pPr algn="ctr"/>
             <a:r>
-              <a:rPr lang="es-CL" sz="2400" dirty="0" smtClean="0">
+              <a:rPr lang="es-CL" sz="2400" dirty="0">
                 <a:solidFill>
                   <a:srgbClr val="FF0000"/>
                 </a:solidFill>
@@ -3618,7 +3614,7 @@
               <a:t>R</a:t>
             </a:r>
             <a:r>
-              <a:rPr lang="es-CL" sz="2400" dirty="0" smtClean="0">
+              <a:rPr lang="es-CL" sz="2400" dirty="0">
                 <a:solidFill>
                   <a:srgbClr val="3366FF"/>
                 </a:solidFill>
@@ -3627,7 +3623,7 @@
               <a:t>e</a:t>
             </a:r>
             <a:r>
-              <a:rPr lang="es-CL" sz="2400" dirty="0" smtClean="0">
+              <a:rPr lang="es-CL" sz="2400" dirty="0">
                 <a:solidFill>
                   <a:srgbClr val="FFFF00"/>
                 </a:solidFill>
@@ -3636,7 +3632,7 @@
               <a:t>c</a:t>
             </a:r>
             <a:r>
-              <a:rPr lang="es-CL" sz="2400" dirty="0" smtClean="0">
+              <a:rPr lang="es-CL" sz="2400" dirty="0">
                 <a:solidFill>
                   <a:srgbClr val="00FF00"/>
                 </a:solidFill>
@@ -3645,7 +3641,7 @@
               <a:t>o</a:t>
             </a:r>
             <a:r>
-              <a:rPr lang="es-CL" sz="2400" dirty="0" smtClean="0">
+              <a:rPr lang="es-CL" sz="2400" dirty="0">
                 <a:solidFill>
                   <a:schemeClr val="bg1"/>
                 </a:solidFill>
@@ -3654,7 +3650,7 @@
               <a:t>n</a:t>
             </a:r>
             <a:r>
-              <a:rPr lang="es-CL" sz="2400" dirty="0" smtClean="0">
+              <a:rPr lang="es-CL" sz="2400" dirty="0">
                 <a:solidFill>
                   <a:srgbClr val="FF6600"/>
                 </a:solidFill>
@@ -3663,7 +3659,7 @@
               <a:t>o</a:t>
             </a:r>
             <a:r>
-              <a:rPr lang="es-CL" sz="2400" dirty="0" smtClean="0">
+              <a:rPr lang="es-CL" sz="2400" dirty="0">
                 <a:solidFill>
                   <a:srgbClr val="FF0000"/>
                 </a:solidFill>
@@ -3672,7 +3668,7 @@
               <a:t>c</a:t>
             </a:r>
             <a:r>
-              <a:rPr lang="es-CL" sz="2400" dirty="0" smtClean="0">
+              <a:rPr lang="es-CL" sz="2400" dirty="0">
                 <a:solidFill>
                   <a:srgbClr val="3366FF"/>
                 </a:solidFill>
@@ -3681,7 +3677,7 @@
               <a:t>i</a:t>
             </a:r>
             <a:r>
-              <a:rPr lang="es-CL" sz="2400" dirty="0" smtClean="0">
+              <a:rPr lang="es-CL" sz="2400" dirty="0">
                 <a:solidFill>
                   <a:schemeClr val="bg1"/>
                 </a:solidFill>
@@ -3690,7 +3686,7 @@
               <a:t>m</a:t>
             </a:r>
             <a:r>
-              <a:rPr lang="es-CL" sz="2400" dirty="0" smtClean="0">
+              <a:rPr lang="es-CL" sz="2400" dirty="0">
                 <a:solidFill>
                   <a:srgbClr val="FFFF00"/>
                 </a:solidFill>
@@ -3699,7 +3695,7 @@
               <a:t>i</a:t>
             </a:r>
             <a:r>
-              <a:rPr lang="es-CL" sz="2400" dirty="0" smtClean="0">
+              <a:rPr lang="es-CL" sz="2400" dirty="0">
                 <a:solidFill>
                   <a:srgbClr val="00FF00"/>
                 </a:solidFill>
@@ -3708,7 +3704,7 @@
               <a:t>e</a:t>
             </a:r>
             <a:r>
-              <a:rPr lang="es-CL" sz="2400" dirty="0" smtClean="0">
+              <a:rPr lang="es-CL" sz="2400" dirty="0">
                 <a:solidFill>
                   <a:schemeClr val="bg1"/>
                 </a:solidFill>
@@ -3717,7 +3713,7 @@
               <a:t>n</a:t>
             </a:r>
             <a:r>
-              <a:rPr lang="es-CL" sz="2400" dirty="0" smtClean="0">
+              <a:rPr lang="es-CL" sz="2400" dirty="0">
                 <a:solidFill>
                   <a:srgbClr val="FF6600"/>
                 </a:solidFill>
@@ -3726,7 +3722,7 @@
               <a:t>t</a:t>
             </a:r>
             <a:r>
-              <a:rPr lang="es-CL" sz="2400" dirty="0" smtClean="0">
+              <a:rPr lang="es-CL" sz="2400" dirty="0">
                 <a:solidFill>
                   <a:srgbClr val="FF0000"/>
                 </a:solidFill>
@@ -3735,7 +3731,7 @@
               <a:t>o</a:t>
             </a:r>
             <a:r>
-              <a:rPr lang="es-CL" sz="2400" dirty="0" smtClean="0">
+              <a:rPr lang="es-CL" sz="2400" dirty="0">
                 <a:solidFill>
                   <a:srgbClr val="3333CC"/>
                 </a:solidFill>
@@ -3744,7 +3740,7 @@
               <a:t> </a:t>
             </a:r>
             <a:r>
-              <a:rPr lang="es-CL" sz="2400" dirty="0" smtClean="0">
+              <a:rPr lang="es-CL" sz="2400" dirty="0">
                 <a:solidFill>
                   <a:srgbClr val="3366FF"/>
                 </a:solidFill>
@@ -3753,7 +3749,7 @@
               <a:t>d</a:t>
             </a:r>
             <a:r>
-              <a:rPr lang="es-CL" sz="2400" dirty="0" smtClean="0">
+              <a:rPr lang="es-CL" sz="2400" dirty="0">
                 <a:solidFill>
                   <a:srgbClr val="FFFF00"/>
                 </a:solidFill>
@@ -3762,7 +3758,7 @@
               <a:t>e </a:t>
             </a:r>
             <a:r>
-              <a:rPr lang="es-CL" sz="2400" dirty="0" smtClean="0">
+              <a:rPr lang="es-CL" sz="2400" dirty="0">
                 <a:solidFill>
                   <a:srgbClr val="00FF00"/>
                 </a:solidFill>
@@ -3771,7 +3767,7 @@
               <a:t>P</a:t>
             </a:r>
             <a:r>
-              <a:rPr lang="es-CL" sz="2400" dirty="0" smtClean="0">
+              <a:rPr lang="es-CL" sz="2400" dirty="0">
                 <a:solidFill>
                   <a:schemeClr val="bg1"/>
                 </a:solidFill>
@@ -3780,7 +3776,7 @@
               <a:t>a</a:t>
             </a:r>
             <a:r>
-              <a:rPr lang="es-CL" sz="2400" dirty="0" smtClean="0">
+              <a:rPr lang="es-CL" sz="2400" dirty="0">
                 <a:solidFill>
                   <a:srgbClr val="FF6600"/>
                 </a:solidFill>
@@ -3789,7 +3785,7 @@
               <a:t>t</a:t>
             </a:r>
             <a:r>
-              <a:rPr lang="es-CL" sz="2400" dirty="0" smtClean="0">
+              <a:rPr lang="es-CL" sz="2400" dirty="0">
                 <a:solidFill>
                   <a:srgbClr val="FF0000"/>
                 </a:solidFill>
@@ -3798,7 +3794,7 @@
               <a:t>r</a:t>
             </a:r>
             <a:r>
-              <a:rPr lang="es-CL" sz="2400" dirty="0" smtClean="0">
+              <a:rPr lang="es-CL" sz="2400" dirty="0">
                 <a:solidFill>
                   <a:srgbClr val="3366FF"/>
                 </a:solidFill>
@@ -3807,7 +3803,7 @@
               <a:t>o</a:t>
             </a:r>
             <a:r>
-              <a:rPr lang="es-CL" sz="2400" dirty="0" smtClean="0">
+              <a:rPr lang="es-CL" sz="2400" dirty="0">
                 <a:solidFill>
                   <a:srgbClr val="FFFF00"/>
                 </a:solidFill>
@@ -3816,7 +3812,7 @@
               <a:t>n</a:t>
             </a:r>
             <a:r>
-              <a:rPr lang="es-CL" sz="2400" dirty="0" smtClean="0">
+              <a:rPr lang="es-CL" sz="2400" dirty="0">
                 <a:solidFill>
                   <a:srgbClr val="00FF00"/>
                 </a:solidFill>
@@ -3825,7 +3821,7 @@
               <a:t>e</a:t>
             </a:r>
             <a:r>
-              <a:rPr lang="es-CL" sz="2400" dirty="0" smtClean="0">
+              <a:rPr lang="es-CL" sz="2400" dirty="0">
                 <a:solidFill>
                   <a:schemeClr val="bg1"/>
                 </a:solidFill>
@@ -3833,7 +3829,7 @@
               </a:rPr>
               <a:t>s</a:t>
             </a:r>
-            <a:endParaRPr lang="es-CL" sz="2400" dirty="0" smtClean="0">
+            <a:endParaRPr lang="es-CL" sz="2400" dirty="0">
               <a:solidFill>
                 <a:srgbClr val="FF0000"/>
               </a:solidFill>
@@ -3843,7 +3839,7 @@
           <a:p>
             <a:pPr algn="ctr"/>
             <a:r>
-              <a:rPr lang="es-CL" sz="2400" dirty="0" smtClean="0">
+              <a:rPr lang="es-CL" sz="2400" dirty="0">
                 <a:solidFill>
                   <a:schemeClr val="bg2">
                     <a:lumMod val="60000"/>
@@ -3854,19 +3850,10 @@
               </a:rPr>
               <a:t> </a:t>
             </a:r>
+          </a:p>
+          <a:p>
+            <a:pPr algn="ctr"/>
             <a:endParaRPr lang="es-CL" sz="2400" dirty="0">
-              <a:solidFill>
-                <a:schemeClr val="bg2">
-                  <a:lumMod val="60000"/>
-                  <a:lumOff val="40000"/>
-                </a:schemeClr>
-              </a:solidFill>
-              <a:latin typeface="Trebuchet MS" pitchFamily="34" charset="0"/>
-            </a:endParaRPr>
-          </a:p>
-          <a:p>
-            <a:pPr algn="ctr"/>
-            <a:endParaRPr lang="es-CL" sz="2400" dirty="0" smtClean="0">
               <a:solidFill>
                 <a:srgbClr val="3333CC"/>
               </a:solidFill>
@@ -3937,7 +3924,7 @@
           <a:p>
             <a:pPr algn="ctr"/>
             <a:r>
-              <a:rPr lang="es-CL" sz="1200" dirty="0" smtClean="0">
+              <a:rPr lang="es-CL" sz="1200" dirty="0">
                 <a:solidFill>
                   <a:schemeClr val="bg1">
                     <a:lumMod val="75000"/>
@@ -3947,19 +3934,11 @@
               </a:rPr>
               <a:t>Departmento de Ciencia de la Computación</a:t>
             </a:r>
-            <a:endParaRPr lang="es-CL" sz="1200" dirty="0">
-              <a:solidFill>
-                <a:schemeClr val="bg1">
-                  <a:lumMod val="75000"/>
-                </a:schemeClr>
-              </a:solidFill>
-              <a:latin typeface="Trebuchet MS" pitchFamily="34" charset="0"/>
-            </a:endParaRPr>
           </a:p>
           <a:p>
             <a:pPr algn="ctr"/>
             <a:r>
-              <a:rPr lang="es-CL" sz="1200" dirty="0" smtClean="0">
+              <a:rPr lang="es-CL" sz="1200" dirty="0">
                 <a:solidFill>
                   <a:schemeClr val="bg1">
                     <a:lumMod val="75000"/>
@@ -3973,7 +3952,7 @@
           <a:p>
             <a:pPr algn="ctr"/>
             <a:r>
-              <a:rPr lang="es-CL" sz="1200" dirty="0" smtClean="0">
+              <a:rPr lang="es-CL" sz="1200" dirty="0">
                 <a:solidFill>
                   <a:schemeClr val="bg1">
                     <a:lumMod val="75000"/>
@@ -3983,39 +3962,9 @@
               </a:rPr>
               <a:t>Universidad Católica de Chile</a:t>
             </a:r>
-            <a:endParaRPr lang="es-CL" sz="1200" dirty="0">
-              <a:solidFill>
-                <a:schemeClr val="bg1">
-                  <a:lumMod val="75000"/>
-                </a:schemeClr>
-              </a:solidFill>
-              <a:latin typeface="Trebuchet MS" pitchFamily="34" charset="0"/>
-            </a:endParaRPr>
-          </a:p>
-          <a:p>
-            <a:pPr algn="ctr"/>
-            <a:r>
-              <a:rPr lang="es-CL" sz="1200" smtClean="0">
-                <a:solidFill>
-                  <a:schemeClr val="bg1">
-                    <a:lumMod val="75000"/>
-                  </a:schemeClr>
-                </a:solidFill>
-                <a:latin typeface="Trebuchet MS" pitchFamily="34" charset="0"/>
-              </a:rPr>
-              <a:t>Semestre </a:t>
-            </a:r>
-            <a:r>
-              <a:rPr lang="es-CL" sz="1200" smtClean="0">
-                <a:solidFill>
-                  <a:schemeClr val="bg1">
-                    <a:lumMod val="75000"/>
-                  </a:schemeClr>
-                </a:solidFill>
-                <a:latin typeface="Trebuchet MS" pitchFamily="34" charset="0"/>
-              </a:rPr>
-              <a:t>2018-1</a:t>
-            </a:r>
+          </a:p>
+          <a:p>
+            <a:pPr algn="ctr"/>
             <a:endParaRPr lang="en-US" sz="1200" dirty="0">
               <a:solidFill>
                 <a:schemeClr val="bg1">
@@ -4316,7 +4265,7 @@
           <a:p>
             <a:pPr algn="ctr"/>
             <a:r>
-              <a:rPr lang="en-US" sz="2400" b="1" dirty="0" smtClean="0">
+              <a:rPr lang="en-US" sz="2400" b="1" dirty="0">
                 <a:solidFill>
                   <a:srgbClr val="FFFFFF"/>
                 </a:solidFill>
@@ -4328,7 +4277,7 @@
           </a:p>
           <a:p>
             <a:pPr algn="ctr"/>
-            <a:endParaRPr lang="es-CL" sz="1000" dirty="0" smtClean="0">
+            <a:endParaRPr lang="es-CL" sz="1000" dirty="0">
               <a:solidFill>
                 <a:srgbClr val="FFFFFF"/>
               </a:solidFill>
@@ -4339,7 +4288,7 @@
           <a:p>
             <a:pPr algn="ctr"/>
             <a:r>
-              <a:rPr lang="es-CL" sz="1000" dirty="0" smtClean="0">
+              <a:rPr lang="es-CL" sz="1000" dirty="0">
                 <a:solidFill>
                   <a:srgbClr val="FFFFFF"/>
                 </a:solidFill>
@@ -6529,10 +6478,9 @@
           <a:lstStyle/>
           <a:p>
             <a:r>
-              <a:rPr lang="en-US" dirty="0" smtClean="0"/>
+              <a:rPr lang="en-US" dirty="0"/>
               <a:t>Compute</a:t>
             </a:r>
-            <a:endParaRPr lang="en-US" dirty="0"/>
           </a:p>
         </p:txBody>
       </p:sp>
@@ -6570,13 +6518,6 @@
   <p:clrMapOvr>
     <a:masterClrMapping/>
   </p:clrMapOvr>
-  <p:timing>
-    <p:tnLst>
-      <p:par>
-        <p:cTn id="1" dur="indefinite" restart="never" nodeType="tmRoot"/>
-      </p:par>
-    </p:tnLst>
-  </p:timing>
 </p:sld>
 </file>
 
@@ -7686,10 +7627,9 @@
           <a:lstStyle/>
           <a:p>
             <a:r>
-              <a:rPr lang="en-US" dirty="0" smtClean="0"/>
+              <a:rPr lang="en-US" dirty="0"/>
               <a:t>Assign to the nearest centroid</a:t>
             </a:r>
-            <a:endParaRPr lang="en-US" dirty="0"/>
           </a:p>
         </p:txBody>
       </p:sp>
@@ -7786,13 +7726,6 @@
   <p:clrMapOvr>
     <a:masterClrMapping/>
   </p:clrMapOvr>
-  <p:timing>
-    <p:tnLst>
-      <p:par>
-        <p:cTn id="1" dur="indefinite" restart="never" nodeType="tmRoot"/>
-      </p:par>
-    </p:tnLst>
-  </p:timing>
 </p:sld>
 </file>
 
@@ -8820,10 +8753,9 @@
           <a:lstStyle/>
           <a:p>
             <a:r>
-              <a:rPr lang="en-US" dirty="0" smtClean="0"/>
+              <a:rPr lang="en-US" dirty="0"/>
               <a:t>Assign to the nearest centroid</a:t>
             </a:r>
-            <a:endParaRPr lang="en-US" dirty="0"/>
           </a:p>
         </p:txBody>
       </p:sp>
@@ -8920,13 +8852,6 @@
   <p:clrMapOvr>
     <a:masterClrMapping/>
   </p:clrMapOvr>
-  <p:timing>
-    <p:tnLst>
-      <p:par>
-        <p:cTn id="1" dur="indefinite" restart="never" nodeType="tmRoot"/>
-      </p:par>
-    </p:tnLst>
-  </p:timing>
 </p:sld>
 </file>
 
@@ -9954,10 +9879,9 @@
           <a:lstStyle/>
           <a:p>
             <a:r>
-              <a:rPr lang="en-US" dirty="0" smtClean="0"/>
+              <a:rPr lang="en-US" dirty="0"/>
               <a:t>Repeat until convergence</a:t>
             </a:r>
-            <a:endParaRPr lang="en-US" dirty="0"/>
           </a:p>
         </p:txBody>
       </p:sp>
@@ -10053,13 +9977,6 @@
   <p:clrMapOvr>
     <a:masterClrMapping/>
   </p:clrMapOvr>
-  <p:timing>
-    <p:tnLst>
-      <p:par>
-        <p:cTn id="1" dur="indefinite" restart="never" nodeType="tmRoot"/>
-      </p:par>
-    </p:tnLst>
-  </p:timing>
 </p:sld>
 </file>
 
@@ -10089,7 +10006,7 @@
         <p:spPr>
           <a:xfrm>
             <a:off x="1028700" y="14269"/>
-            <a:ext cx="6916830" cy="6124754"/>
+            <a:ext cx="7331687" cy="6124754"/>
           </a:xfrm>
           <a:prstGeom prst="rect">
             <a:avLst/>
@@ -10103,7 +10020,7 @@
           <a:lstStyle/>
           <a:p>
             <a:r>
-              <a:rPr lang="en-US" sz="3200" dirty="0" smtClean="0"/>
+              <a:rPr lang="en-US" sz="3200" dirty="0"/>
               <a:t>Algorithm:</a:t>
             </a:r>
           </a:p>
@@ -10115,66 +10032,19 @@
               <a:buAutoNum type="arabicPeriod"/>
             </a:pPr>
             <a:r>
-              <a:rPr lang="en-US" sz="2000" dirty="0" smtClean="0"/>
+              <a:rPr lang="en-US" sz="2000" dirty="0"/>
               <a:t>Input Data X = {x</a:t>
             </a:r>
             <a:r>
-              <a:rPr lang="en-US" sz="2000" baseline="-25000" dirty="0" smtClean="0"/>
-              <a:t>1</a:t>
-            </a:r>
-            <a:r>
-              <a:rPr lang="en-US" sz="2000" dirty="0" smtClean="0"/>
-              <a:t>, x</a:t>
-            </a:r>
-            <a:r>
-              <a:rPr lang="en-US" sz="2000" baseline="-25000" dirty="0" smtClean="0"/>
-              <a:t>2</a:t>
-            </a:r>
-            <a:r>
-              <a:rPr lang="en-US" sz="2000" dirty="0" smtClean="0"/>
-              <a:t>, ... </a:t>
-            </a:r>
-            <a:r>
-              <a:rPr lang="en-US" sz="2000" dirty="0" err="1" smtClean="0"/>
-              <a:t>x</a:t>
-            </a:r>
-            <a:r>
-              <a:rPr lang="en-US" sz="2000" baseline="-25000" dirty="0" err="1" smtClean="0"/>
-              <a:t>N</a:t>
-            </a:r>
-            <a:r>
-              <a:rPr lang="en-US" sz="2000" dirty="0" smtClean="0"/>
-              <a:t>} and number of clusters K</a:t>
-            </a:r>
-          </a:p>
-          <a:p>
-            <a:pPr marL="342900" indent="-342900">
-              <a:buAutoNum type="arabicPeriod"/>
-            </a:pPr>
-            <a:endParaRPr lang="en-US" sz="2000" dirty="0" smtClean="0"/>
-          </a:p>
-          <a:p>
-            <a:pPr marL="342900" indent="-342900">
-              <a:buAutoNum type="arabicPeriod"/>
-            </a:pPr>
-            <a:r>
-              <a:rPr lang="en-US" sz="2000" dirty="0" smtClean="0"/>
-              <a:t>Centroids {c</a:t>
-            </a:r>
-            <a:r>
-              <a:rPr lang="en-US" sz="2000" baseline="-25000" dirty="0" smtClean="0"/>
+              <a:rPr lang="en-US" sz="2000" baseline="-25000" dirty="0"/>
               <a:t>1</a:t>
             </a:r>
             <a:r>
               <a:rPr lang="en-US" sz="2000" dirty="0"/>
-              <a:t>, </a:t>
+              <a:t>, x</a:t>
             </a:r>
             <a:r>
-              <a:rPr lang="en-US" sz="2000" dirty="0" smtClean="0"/>
-              <a:t>c</a:t>
-            </a:r>
-            <a:r>
-              <a:rPr lang="en-US" sz="2000" baseline="-25000" dirty="0" smtClean="0"/>
+              <a:rPr lang="en-US" sz="2000" baseline="-25000" dirty="0"/>
               <a:t>2</a:t>
             </a:r>
             <a:r>
@@ -10182,16 +10052,16 @@
               <a:t>, ... </a:t>
             </a:r>
             <a:r>
-              <a:rPr lang="en-US" sz="2000" dirty="0" err="1" smtClean="0"/>
-              <a:t>c</a:t>
+              <a:rPr lang="en-US" sz="2000" dirty="0" err="1"/>
+              <a:t>x</a:t>
             </a:r>
             <a:r>
-              <a:rPr lang="en-US" sz="2000" baseline="-25000" dirty="0" err="1" smtClean="0"/>
-              <a:t>K</a:t>
+              <a:rPr lang="en-US" sz="2000" baseline="-25000" dirty="0" err="1"/>
+              <a:t>N</a:t>
             </a:r>
             <a:r>
-              <a:rPr lang="en-US" sz="2000" dirty="0" smtClean="0"/>
-              <a:t>}  = random K points of X</a:t>
+              <a:rPr lang="en-US" sz="2000" dirty="0"/>
+              <a:t>} and number of clusters K</a:t>
             </a:r>
           </a:p>
           <a:p>
@@ -10205,287 +10075,19 @@
               <a:buAutoNum type="arabicPeriod"/>
             </a:pPr>
             <a:r>
-              <a:rPr lang="en-US" sz="2000" dirty="0" smtClean="0"/>
-              <a:t>Initial values for </a:t>
-            </a:r>
-          </a:p>
-          <a:p>
-            <a:pPr marL="342900" indent="-342900">
-              <a:buAutoNum type="arabicPeriod"/>
-            </a:pPr>
-            <a:endParaRPr lang="en-US" sz="2000" dirty="0" smtClean="0"/>
-          </a:p>
-          <a:p>
-            <a:pPr marL="342900" indent="-342900">
-              <a:buAutoNum type="arabicPeriod"/>
-            </a:pPr>
-            <a:r>
-              <a:rPr lang="en-US" sz="2000" dirty="0" smtClean="0"/>
-              <a:t>For each data point x</a:t>
+              <a:rPr lang="en-US" sz="2000" dirty="0"/>
+              <a:t>Centroids {c</a:t>
             </a:r>
             <a:r>
-              <a:rPr lang="en-US" sz="2000" baseline="-25000" dirty="0" smtClean="0"/>
-              <a:t>i </a:t>
-            </a:r>
-          </a:p>
-          <a:p>
-            <a:pPr marL="342900" indent="-342900">
-              <a:buAutoNum type="arabicPeriod"/>
-            </a:pPr>
-            <a:endParaRPr lang="en-US" sz="2000" dirty="0" smtClean="0"/>
-          </a:p>
-          <a:p>
-            <a:pPr marL="342900" indent="-342900">
-              <a:buAutoNum type="arabicPeriod"/>
-            </a:pPr>
-            <a:r>
-              <a:rPr lang="en-US" sz="2000" dirty="0" smtClean="0"/>
-              <a:t>   Compute </a:t>
-            </a:r>
-            <a:r>
-              <a:rPr lang="en-US" sz="2000" dirty="0" err="1" smtClean="0"/>
-              <a:t>Mahalanobis</a:t>
-            </a:r>
-            <a:r>
-              <a:rPr lang="en-US" sz="2000" dirty="0" smtClean="0"/>
-              <a:t> distance </a:t>
-            </a:r>
-            <a:r>
-              <a:rPr lang="en-US" sz="2000" dirty="0" err="1" smtClean="0"/>
-              <a:t>d</a:t>
-            </a:r>
-            <a:r>
-              <a:rPr lang="en-US" sz="2000" baseline="-25000" dirty="0" err="1" smtClean="0"/>
-              <a:t>ij</a:t>
-            </a:r>
-            <a:r>
-              <a:rPr lang="en-US" sz="2000" dirty="0" smtClean="0"/>
-              <a:t> = d(</a:t>
-            </a:r>
-            <a:r>
-              <a:rPr lang="en-US" sz="2000" dirty="0" err="1" smtClean="0"/>
-              <a:t>x</a:t>
-            </a:r>
-            <a:r>
-              <a:rPr lang="en-US" sz="2000" baseline="-25000" dirty="0" err="1" smtClean="0"/>
-              <a:t>i</a:t>
-            </a:r>
-            <a:r>
-              <a:rPr lang="en-US" sz="2000" dirty="0" err="1" smtClean="0"/>
-              <a:t>,c</a:t>
-            </a:r>
-            <a:r>
-              <a:rPr lang="en-US" sz="2000" baseline="-25000" dirty="0" err="1" smtClean="0"/>
-              <a:t>j</a:t>
-            </a:r>
-            <a:r>
-              <a:rPr lang="en-US" sz="2000" dirty="0" smtClean="0"/>
-              <a:t>)  </a:t>
-            </a:r>
-            <a:r>
-              <a:rPr lang="en-US" sz="2000" dirty="0" err="1" smtClean="0"/>
-              <a:t>i</a:t>
-            </a:r>
-            <a:r>
-              <a:rPr lang="en-US" sz="2000" dirty="0" smtClean="0"/>
-              <a:t>=1,...,N, j=1,...K</a:t>
-            </a:r>
-          </a:p>
-          <a:p>
-            <a:pPr marL="342900" indent="-342900">
-              <a:buAutoNum type="arabicPeriod"/>
-            </a:pPr>
-            <a:endParaRPr lang="en-US" sz="2000" dirty="0" smtClean="0"/>
-          </a:p>
-          <a:p>
-            <a:pPr marL="342900" indent="-342900">
-              <a:buAutoNum type="arabicPeriod"/>
-            </a:pPr>
-            <a:r>
-              <a:rPr lang="en-US" sz="2000" dirty="0" smtClean="0"/>
-              <a:t>   Assign x</a:t>
-            </a:r>
-            <a:r>
-              <a:rPr lang="en-US" sz="2000" baseline="-25000" dirty="0" smtClean="0"/>
-              <a:t>i</a:t>
-            </a:r>
-            <a:r>
-              <a:rPr lang="en-US" sz="2000" dirty="0" smtClean="0"/>
-              <a:t> to the nearest centroid: </a:t>
-            </a:r>
-            <a:r>
-              <a:rPr lang="en-US" sz="2000" dirty="0" err="1" smtClean="0"/>
-              <a:t>y</a:t>
-            </a:r>
-            <a:r>
-              <a:rPr lang="en-US" sz="2000" baseline="-25000" dirty="0" err="1" smtClean="0"/>
-              <a:t>i</a:t>
-            </a:r>
-            <a:r>
-              <a:rPr lang="en-US" sz="2000" dirty="0" smtClean="0"/>
-              <a:t> = </a:t>
-            </a:r>
-            <a:r>
-              <a:rPr lang="en-US" sz="2000" dirty="0" err="1" smtClean="0"/>
-              <a:t>argmin</a:t>
-            </a:r>
-            <a:r>
-              <a:rPr lang="en-US" sz="2000" baseline="-25000" dirty="0" err="1" smtClean="0"/>
-              <a:t>j</a:t>
-            </a:r>
-            <a:r>
-              <a:rPr lang="en-US" sz="2000" dirty="0" smtClean="0"/>
-              <a:t>{</a:t>
-            </a:r>
-            <a:r>
-              <a:rPr lang="en-US" sz="2000" dirty="0" err="1" smtClean="0"/>
-              <a:t>d</a:t>
-            </a:r>
-            <a:r>
-              <a:rPr lang="en-US" sz="2000" baseline="-25000" dirty="0" err="1" smtClean="0"/>
-              <a:t>ij</a:t>
-            </a:r>
-            <a:r>
-              <a:rPr lang="en-US" sz="2000" dirty="0" smtClean="0"/>
-              <a:t>}</a:t>
-            </a:r>
-          </a:p>
-          <a:p>
-            <a:pPr marL="342900" indent="-342900">
-              <a:buAutoNum type="arabicPeriod"/>
-            </a:pPr>
-            <a:endParaRPr lang="en-US" sz="2000" dirty="0"/>
-          </a:p>
-          <a:p>
-            <a:pPr marL="342900" indent="-342900">
-              <a:buAutoNum type="arabicPeriod"/>
-            </a:pPr>
-            <a:r>
-              <a:rPr lang="en-US" sz="2000" dirty="0" smtClean="0"/>
-              <a:t>Compute for each cluster</a:t>
-            </a:r>
-            <a:endParaRPr lang="en-US" sz="2000" dirty="0"/>
-          </a:p>
-          <a:p>
-            <a:pPr marL="342900" indent="-342900">
-              <a:buAutoNum type="arabicPeriod"/>
-            </a:pPr>
-            <a:endParaRPr lang="en-US" sz="2000" dirty="0" smtClean="0"/>
-          </a:p>
-          <a:p>
-            <a:pPr marL="342900" indent="-342900">
-              <a:buAutoNum type="arabicPeriod"/>
-            </a:pPr>
-            <a:r>
-              <a:rPr lang="en-US" sz="2000" dirty="0" smtClean="0"/>
-              <a:t>if c</a:t>
-            </a:r>
-            <a:r>
-              <a:rPr lang="en-US" sz="2000" baseline="30000" dirty="0" smtClean="0"/>
-              <a:t>*</a:t>
-            </a:r>
-            <a:r>
-              <a:rPr lang="en-US" sz="2000" baseline="-25000" dirty="0" smtClean="0"/>
-              <a:t>j</a:t>
-            </a:r>
-            <a:r>
-              <a:rPr lang="en-US" sz="2000" dirty="0"/>
-              <a:t> </a:t>
-            </a:r>
-            <a:r>
-              <a:rPr lang="en-US" sz="2000" dirty="0" smtClean="0"/>
-              <a:t>      </a:t>
-            </a:r>
-            <a:r>
-              <a:rPr lang="en-US" sz="2000" dirty="0" err="1" smtClean="0"/>
-              <a:t>c</a:t>
-            </a:r>
-            <a:r>
-              <a:rPr lang="en-US" sz="2000" baseline="-25000" dirty="0" err="1" smtClean="0"/>
-              <a:t>j</a:t>
-            </a:r>
-            <a:r>
-              <a:rPr lang="en-US" sz="2000" baseline="-25000" dirty="0" smtClean="0"/>
-              <a:t> </a:t>
-            </a:r>
-            <a:r>
-              <a:rPr lang="en-US" sz="2000" dirty="0" smtClean="0"/>
-              <a:t>then </a:t>
-            </a:r>
-            <a:r>
-              <a:rPr lang="en-US" sz="2000" dirty="0" err="1" smtClean="0"/>
-              <a:t>c</a:t>
-            </a:r>
-            <a:r>
-              <a:rPr lang="en-US" sz="2000" baseline="-25000" dirty="0" err="1" smtClean="0"/>
-              <a:t>j</a:t>
-            </a:r>
-            <a:r>
-              <a:rPr lang="en-US" sz="2000" dirty="0" smtClean="0"/>
-              <a:t> = c</a:t>
-            </a:r>
-            <a:r>
-              <a:rPr lang="en-US" sz="2000" baseline="30000" dirty="0" smtClean="0"/>
-              <a:t>*</a:t>
-            </a:r>
-            <a:r>
-              <a:rPr lang="en-US" sz="2000" baseline="-25000" dirty="0" smtClean="0"/>
-              <a:t>j</a:t>
-            </a:r>
-            <a:r>
-              <a:rPr lang="en-US" sz="2000" dirty="0" smtClean="0"/>
-              <a:t>   go to step </a:t>
-            </a:r>
-            <a:r>
-              <a:rPr lang="en-US" sz="2000" dirty="0"/>
-              <a:t>4</a:t>
-            </a:r>
-            <a:endParaRPr lang="en-US" sz="2000" dirty="0" smtClean="0"/>
-          </a:p>
-          <a:p>
-            <a:pPr marL="342900" indent="-342900">
-              <a:buAutoNum type="arabicPeriod"/>
-            </a:pPr>
-            <a:endParaRPr lang="en-US" sz="2000" dirty="0"/>
-          </a:p>
-          <a:p>
-            <a:pPr marL="342900" indent="-342900">
-              <a:buAutoNum type="arabicPeriod"/>
-            </a:pPr>
-            <a:r>
-              <a:rPr lang="en-US" sz="2000" dirty="0" smtClean="0"/>
-              <a:t>Output: </a:t>
-            </a:r>
-            <a:r>
-              <a:rPr lang="en-US" sz="2000" dirty="0"/>
-              <a:t>{</a:t>
-            </a:r>
-            <a:r>
-              <a:rPr lang="en-US" sz="2000" dirty="0" smtClean="0"/>
-              <a:t>c</a:t>
-            </a:r>
-            <a:r>
-              <a:rPr lang="en-US" sz="2000" baseline="30000" dirty="0"/>
-              <a:t>*</a:t>
-            </a:r>
-            <a:r>
-              <a:rPr lang="en-US" sz="2000" baseline="-25000" dirty="0" smtClean="0"/>
+              <a:rPr lang="en-US" sz="2000" baseline="-25000" dirty="0"/>
               <a:t>1</a:t>
             </a:r>
             <a:r>
               <a:rPr lang="en-US" sz="2000" dirty="0"/>
-              <a:t>, </a:t>
+              <a:t>, c</a:t>
             </a:r>
             <a:r>
-              <a:rPr lang="en-US" sz="2000" dirty="0" smtClean="0"/>
-              <a:t>c</a:t>
-            </a:r>
-            <a:r>
-              <a:rPr lang="en-US" sz="2000" baseline="30000" dirty="0"/>
-              <a:t>*</a:t>
-            </a:r>
-            <a:r>
-              <a:rPr lang="en-US" sz="2000" baseline="-25000" dirty="0" smtClean="0"/>
+              <a:rPr lang="en-US" sz="2000" baseline="-25000" dirty="0"/>
               <a:t>2</a:t>
             </a:r>
             <a:r>
@@ -10493,42 +10095,327 @@
               <a:t>, ... </a:t>
             </a:r>
             <a:r>
-              <a:rPr lang="en-US" sz="2000" dirty="0" smtClean="0"/>
+              <a:rPr lang="en-US" sz="2000" dirty="0" err="1"/>
               <a:t>c</a:t>
+            </a:r>
+            <a:r>
+              <a:rPr lang="en-US" sz="2000" baseline="-25000" dirty="0" err="1"/>
+              <a:t>K</a:t>
+            </a:r>
+            <a:r>
+              <a:rPr lang="en-US" sz="2000" dirty="0"/>
+              <a:t>}  = random K points of X</a:t>
+            </a:r>
+          </a:p>
+          <a:p>
+            <a:pPr marL="342900" indent="-342900">
+              <a:buAutoNum type="arabicPeriod"/>
+            </a:pPr>
+            <a:endParaRPr lang="en-US" sz="2000" dirty="0"/>
+          </a:p>
+          <a:p>
+            <a:pPr marL="342900" indent="-342900">
+              <a:buAutoNum type="arabicPeriod"/>
+            </a:pPr>
+            <a:r>
+              <a:rPr lang="en-US" sz="2000" dirty="0"/>
+              <a:t>Initial values for </a:t>
+            </a:r>
+          </a:p>
+          <a:p>
+            <a:pPr marL="342900" indent="-342900">
+              <a:buAutoNum type="arabicPeriod"/>
+            </a:pPr>
+            <a:endParaRPr lang="en-US" sz="2000" dirty="0"/>
+          </a:p>
+          <a:p>
+            <a:pPr marL="342900" indent="-342900">
+              <a:buAutoNum type="arabicPeriod"/>
+            </a:pPr>
+            <a:r>
+              <a:rPr lang="en-US" sz="2000" dirty="0"/>
+              <a:t>For each data point x</a:t>
+            </a:r>
+            <a:r>
+              <a:rPr lang="en-US" sz="2000" baseline="-25000" dirty="0"/>
+              <a:t>i </a:t>
+            </a:r>
+          </a:p>
+          <a:p>
+            <a:pPr marL="342900" indent="-342900">
+              <a:buAutoNum type="arabicPeriod"/>
+            </a:pPr>
+            <a:endParaRPr lang="en-US" sz="2000" dirty="0"/>
+          </a:p>
+          <a:p>
+            <a:pPr marL="342900" indent="-342900">
+              <a:buAutoNum type="arabicPeriod"/>
+            </a:pPr>
+            <a:r>
+              <a:rPr lang="en-US" sz="2000" dirty="0"/>
+              <a:t>        Compute </a:t>
+            </a:r>
+            <a:r>
+              <a:rPr lang="en-US" sz="2000" dirty="0" err="1"/>
+              <a:t>Mahalanobis</a:t>
+            </a:r>
+            <a:r>
+              <a:rPr lang="en-US" sz="2000" dirty="0"/>
+              <a:t> distance </a:t>
+            </a:r>
+            <a:r>
+              <a:rPr lang="en-US" sz="2000" dirty="0" err="1"/>
+              <a:t>d</a:t>
+            </a:r>
+            <a:r>
+              <a:rPr lang="en-US" sz="2000" baseline="-25000" dirty="0" err="1"/>
+              <a:t>ik</a:t>
+            </a:r>
+            <a:r>
+              <a:rPr lang="en-US" sz="2000" dirty="0"/>
+              <a:t> = d(</a:t>
+            </a:r>
+            <a:r>
+              <a:rPr lang="en-US" sz="2000" dirty="0" err="1"/>
+              <a:t>x</a:t>
+            </a:r>
+            <a:r>
+              <a:rPr lang="en-US" sz="2000" baseline="-25000" dirty="0" err="1"/>
+              <a:t>i</a:t>
+            </a:r>
+            <a:r>
+              <a:rPr lang="en-US" sz="2000" dirty="0" err="1"/>
+              <a:t>,c</a:t>
+            </a:r>
+            <a:r>
+              <a:rPr lang="en-US" sz="2000" baseline="-25000" dirty="0" err="1"/>
+              <a:t>k</a:t>
+            </a:r>
+            <a:r>
+              <a:rPr lang="en-US" sz="2000" dirty="0"/>
+              <a:t>)  </a:t>
+            </a:r>
+            <a:r>
+              <a:rPr lang="en-US" sz="2000" dirty="0" err="1"/>
+              <a:t>i</a:t>
+            </a:r>
+            <a:r>
+              <a:rPr lang="en-US" sz="2000" dirty="0"/>
+              <a:t>=1,...,N, k=1,...K</a:t>
+            </a:r>
+          </a:p>
+          <a:p>
+            <a:pPr marL="342900" indent="-342900">
+              <a:buAutoNum type="arabicPeriod"/>
+            </a:pPr>
+            <a:endParaRPr lang="en-US" sz="2000" dirty="0"/>
+          </a:p>
+          <a:p>
+            <a:pPr marL="342900" indent="-342900">
+              <a:buAutoNum type="arabicPeriod"/>
+            </a:pPr>
+            <a:r>
+              <a:rPr lang="en-US" sz="2000" dirty="0"/>
+              <a:t>         Assign x</a:t>
+            </a:r>
+            <a:r>
+              <a:rPr lang="en-US" sz="2000" baseline="-25000" dirty="0"/>
+              <a:t>i</a:t>
+            </a:r>
+            <a:r>
+              <a:rPr lang="en-US" sz="2000" dirty="0"/>
+              <a:t> to the nearest centroid: </a:t>
+            </a:r>
+            <a:r>
+              <a:rPr lang="en-US" sz="2000" dirty="0" err="1"/>
+              <a:t>y</a:t>
+            </a:r>
+            <a:r>
+              <a:rPr lang="en-US" sz="2000" baseline="-25000" dirty="0" err="1"/>
+              <a:t>i</a:t>
+            </a:r>
+            <a:r>
+              <a:rPr lang="en-US" sz="2000" dirty="0"/>
+              <a:t> = </a:t>
+            </a:r>
+            <a:r>
+              <a:rPr lang="en-US" sz="2000" dirty="0" err="1"/>
+              <a:t>argmin</a:t>
+            </a:r>
+            <a:r>
+              <a:rPr lang="en-US" sz="2000" baseline="-25000" dirty="0" err="1"/>
+              <a:t>j</a:t>
+            </a:r>
+            <a:r>
+              <a:rPr lang="en-US" sz="2000" dirty="0"/>
+              <a:t>{</a:t>
+            </a:r>
+            <a:r>
+              <a:rPr lang="en-US" sz="2000" dirty="0" err="1"/>
+              <a:t>d</a:t>
+            </a:r>
+            <a:r>
+              <a:rPr lang="en-US" sz="2000" baseline="-25000" dirty="0" err="1"/>
+              <a:t>ik</a:t>
+            </a:r>
+            <a:r>
+              <a:rPr lang="en-US" sz="2000" dirty="0"/>
+              <a:t>}</a:t>
+            </a:r>
+          </a:p>
+          <a:p>
+            <a:pPr marL="342900" indent="-342900">
+              <a:buAutoNum type="arabicPeriod"/>
+            </a:pPr>
+            <a:endParaRPr lang="en-US" sz="2000" dirty="0"/>
+          </a:p>
+          <a:p>
+            <a:pPr marL="342900" indent="-342900">
+              <a:buAutoNum type="arabicPeriod"/>
+            </a:pPr>
+            <a:r>
+              <a:rPr lang="en-US" sz="2000" dirty="0"/>
+              <a:t>Compute for each cluster                          (c*</a:t>
+            </a:r>
+            <a:r>
+              <a:rPr lang="en-US" sz="2000" baseline="-25000" dirty="0"/>
+              <a:t>k</a:t>
+            </a:r>
+            <a:r>
+              <a:rPr lang="en-US" sz="2000" dirty="0"/>
+              <a:t> </a:t>
+            </a:r>
+            <a:r>
+              <a:rPr lang="en-US" sz="2000"/>
+              <a:t>=         )</a:t>
+            </a:r>
+            <a:endParaRPr lang="en-US" sz="2000" dirty="0"/>
+          </a:p>
+          <a:p>
+            <a:pPr marL="342900" indent="-342900">
+              <a:buAutoNum type="arabicPeriod"/>
+            </a:pPr>
+            <a:endParaRPr lang="en-US" sz="2000" dirty="0"/>
+          </a:p>
+          <a:p>
+            <a:pPr marL="342900" indent="-342900">
+              <a:buAutoNum type="arabicPeriod"/>
+            </a:pPr>
+            <a:r>
+              <a:rPr lang="en-US" sz="2000" dirty="0"/>
+              <a:t>if c</a:t>
             </a:r>
             <a:r>
               <a:rPr lang="en-US" sz="2000" baseline="30000" dirty="0"/>
               <a:t>*</a:t>
             </a:r>
             <a:r>
-              <a:rPr lang="en-US" sz="2000" baseline="-25000" dirty="0" smtClean="0"/>
+              <a:rPr lang="en-US" sz="2000" baseline="-25000" dirty="0"/>
+              <a:t>k</a:t>
+            </a:r>
+            <a:r>
+              <a:rPr lang="en-US" sz="2000" dirty="0"/>
+              <a:t>       c</a:t>
+            </a:r>
+            <a:r>
+              <a:rPr lang="en-US" sz="2000" baseline="-25000" dirty="0"/>
+              <a:t>k </a:t>
+            </a:r>
+            <a:r>
+              <a:rPr lang="en-US" sz="2000" dirty="0"/>
+              <a:t>then c</a:t>
+            </a:r>
+            <a:r>
+              <a:rPr lang="en-US" sz="2000" baseline="-25000" dirty="0"/>
+              <a:t>k</a:t>
+            </a:r>
+            <a:r>
+              <a:rPr lang="en-US" sz="2000" dirty="0"/>
+              <a:t> = c</a:t>
+            </a:r>
+            <a:r>
+              <a:rPr lang="en-US" sz="2000" baseline="30000" dirty="0"/>
+              <a:t>*</a:t>
+            </a:r>
+            <a:r>
+              <a:rPr lang="en-US" sz="2000" baseline="-25000" dirty="0"/>
+              <a:t>k</a:t>
+            </a:r>
+            <a:r>
+              <a:rPr lang="en-US" sz="2000" dirty="0"/>
+              <a:t>   go to step 4</a:t>
+            </a:r>
+          </a:p>
+          <a:p>
+            <a:pPr marL="342900" indent="-342900">
+              <a:buAutoNum type="arabicPeriod"/>
+            </a:pPr>
+            <a:endParaRPr lang="en-US" sz="2000" dirty="0"/>
+          </a:p>
+          <a:p>
+            <a:pPr marL="342900" indent="-342900">
+              <a:buAutoNum type="arabicPeriod"/>
+            </a:pPr>
+            <a:r>
+              <a:rPr lang="en-US" sz="2000" dirty="0"/>
+              <a:t>Output: {c</a:t>
+            </a:r>
+            <a:r>
+              <a:rPr lang="en-US" sz="2000" baseline="30000" dirty="0"/>
+              <a:t>*</a:t>
+            </a:r>
+            <a:r>
+              <a:rPr lang="en-US" sz="2000" baseline="-25000" dirty="0"/>
+              <a:t>1</a:t>
+            </a:r>
+            <a:r>
+              <a:rPr lang="en-US" sz="2000" dirty="0"/>
+              <a:t>, c</a:t>
+            </a:r>
+            <a:r>
+              <a:rPr lang="en-US" sz="2000" baseline="30000" dirty="0"/>
+              <a:t>*</a:t>
+            </a:r>
+            <a:r>
+              <a:rPr lang="en-US" sz="2000" baseline="-25000" dirty="0"/>
+              <a:t>2</a:t>
+            </a:r>
+            <a:r>
+              <a:rPr lang="en-US" sz="2000" dirty="0"/>
+              <a:t>, ... c</a:t>
+            </a:r>
+            <a:r>
+              <a:rPr lang="en-US" sz="2000" baseline="30000" dirty="0"/>
+              <a:t>*</a:t>
+            </a:r>
+            <a:r>
+              <a:rPr lang="en-US" sz="2000" baseline="-25000" dirty="0"/>
               <a:t>K</a:t>
             </a:r>
             <a:r>
-              <a:rPr lang="en-US" sz="2000" dirty="0" smtClean="0"/>
+              <a:rPr lang="en-US" sz="2000" dirty="0"/>
               <a:t>} and </a:t>
             </a:r>
             <a:r>
-              <a:rPr lang="en-US" sz="2000" dirty="0" err="1" smtClean="0"/>
+              <a:rPr lang="en-US" sz="2000" dirty="0" err="1"/>
               <a:t>y</a:t>
             </a:r>
             <a:r>
-              <a:rPr lang="en-US" sz="2000" baseline="-25000" dirty="0" err="1" smtClean="0"/>
+              <a:rPr lang="en-US" sz="2000" baseline="-25000" dirty="0" err="1"/>
               <a:t>i</a:t>
             </a:r>
             <a:r>
-              <a:rPr lang="en-US" sz="2000" dirty="0" smtClean="0"/>
+              <a:rPr lang="en-US" sz="2000" dirty="0"/>
               <a:t> for </a:t>
             </a:r>
             <a:r>
-              <a:rPr lang="en-US" sz="2000" dirty="0" err="1" smtClean="0"/>
+              <a:rPr lang="en-US" sz="2000" dirty="0" err="1"/>
               <a:t>i</a:t>
             </a:r>
             <a:r>
-              <a:rPr lang="en-US" sz="2000" dirty="0" smtClean="0"/>
+              <a:rPr lang="en-US" sz="2000" dirty="0"/>
               <a:t>=1,...,N</a:t>
             </a:r>
-            <a:endParaRPr lang="en-US" sz="2000" dirty="0"/>
           </a:p>
         </p:txBody>
       </p:sp>
@@ -10598,6 +10485,36 @@
           <a:xfrm>
             <a:off x="4206861" y="4505872"/>
             <a:ext cx="903287" cy="313773"/>
+          </a:xfrm>
+          <a:prstGeom prst="rect">
+            <a:avLst/>
+          </a:prstGeom>
+        </p:spPr>
+      </p:pic>
+      <p:pic>
+        <p:nvPicPr>
+          <p:cNvPr id="7" name="Picture 6">
+            <a:extLst>
+              <a:ext uri="{FF2B5EF4-FFF2-40B4-BE49-F238E27FC236}">
+                <a16:creationId xmlns:a16="http://schemas.microsoft.com/office/drawing/2014/main" id="{579940F7-866F-5C4C-8BDD-68191BEFC8BA}"/>
+              </a:ext>
+            </a:extLst>
+          </p:cNvPr>
+          <p:cNvPicPr>
+            <a:picLocks noChangeAspect="1"/>
+          </p:cNvPicPr>
+          <p:nvPr/>
+        </p:nvPicPr>
+        <p:blipFill>
+          <a:blip r:embed="rId4"/>
+          <a:stretch>
+            <a:fillRect/>
+          </a:stretch>
+        </p:blipFill>
+        <p:spPr>
+          <a:xfrm>
+            <a:off x="6190215" y="4444384"/>
+            <a:ext cx="387118" cy="436748"/>
           </a:xfrm>
           <a:prstGeom prst="rect">
             <a:avLst/>
@@ -10614,13 +10531,6 @@
   <p:clrMapOvr>
     <a:masterClrMapping/>
   </p:clrMapOvr>
-  <p:timing>
-    <p:tnLst>
-      <p:par>
-        <p:cTn id="1" dur="indefinite" restart="never" nodeType="tmRoot"/>
-      </p:par>
-    </p:tnLst>
-  </p:timing>
 </p:sld>
 </file>
 
@@ -11563,13 +11473,6 @@
   <p:clrMapOvr>
     <a:masterClrMapping/>
   </p:clrMapOvr>
-  <p:timing>
-    <p:tnLst>
-      <p:par>
-        <p:cTn id="1" dur="indefinite" restart="never" nodeType="tmRoot"/>
-      </p:par>
-    </p:tnLst>
-  </p:timing>
 </p:sld>
 </file>
 
@@ -12531,11 +12434,11 @@
           <a:lstStyle/>
           <a:p>
             <a:r>
-              <a:rPr lang="en-US" dirty="0" smtClean="0"/>
+              <a:rPr lang="en-US" dirty="0"/>
               <a:t>Choose random </a:t>
             </a:r>
             <a:r>
-              <a:rPr lang="en-US" smtClean="0"/>
+              <a:rPr lang="en-US"/>
               <a:t>K=2 points (centroids)</a:t>
             </a:r>
             <a:endParaRPr lang="en-US" dirty="0"/>
@@ -12552,13 +12455,6 @@
   <p:clrMapOvr>
     <a:masterClrMapping/>
   </p:clrMapOvr>
-  <p:timing>
-    <p:tnLst>
-      <p:par>
-        <p:cTn id="1" dur="indefinite" restart="never" nodeType="tmRoot"/>
-      </p:par>
-    </p:tnLst>
-  </p:timing>
 </p:sld>
 </file>
 
@@ -13520,10 +13416,9 @@
           <a:lstStyle/>
           <a:p>
             <a:r>
-              <a:rPr lang="en-US" dirty="0" smtClean="0"/>
+              <a:rPr lang="en-US" dirty="0"/>
               <a:t>Assign to the nearest centroid</a:t>
             </a:r>
-            <a:endParaRPr lang="en-US" dirty="0"/>
           </a:p>
         </p:txBody>
       </p:sp>
@@ -13933,13 +13828,6 @@
   <p:clrMapOvr>
     <a:masterClrMapping/>
   </p:clrMapOvr>
-  <p:timing>
-    <p:tnLst>
-      <p:par>
-        <p:cTn id="1" dur="indefinite" restart="never" nodeType="tmRoot"/>
-      </p:par>
-    </p:tnLst>
-  </p:timing>
 </p:sld>
 </file>
 
@@ -14901,10 +14789,9 @@
           <a:lstStyle/>
           <a:p>
             <a:r>
-              <a:rPr lang="en-US" dirty="0" smtClean="0"/>
+              <a:rPr lang="en-US" dirty="0"/>
               <a:t>Assign to the nearest centroid</a:t>
             </a:r>
-            <a:endParaRPr lang="en-US" dirty="0"/>
           </a:p>
         </p:txBody>
       </p:sp>
@@ -14954,13 +14841,6 @@
   <p:clrMapOvr>
     <a:masterClrMapping/>
   </p:clrMapOvr>
-  <p:timing>
-    <p:tnLst>
-      <p:par>
-        <p:cTn id="1" dur="indefinite" restart="never" nodeType="tmRoot"/>
-      </p:par>
-    </p:tnLst>
-  </p:timing>
 </p:sld>
 </file>
 
@@ -15988,7 +15868,7 @@
           <a:lstStyle/>
           <a:p>
             <a:r>
-              <a:rPr lang="en-US" dirty="0" smtClean="0"/>
+              <a:rPr lang="en-US" dirty="0"/>
               <a:t>Assign to the nearest centroid</a:t>
             </a:r>
           </a:p>
@@ -15996,7 +15876,7 @@
             <a:endParaRPr lang="en-US" dirty="0"/>
           </a:p>
           <a:p>
-            <a:endParaRPr lang="en-US" dirty="0" smtClean="0"/>
+            <a:endParaRPr lang="en-US" dirty="0"/>
           </a:p>
         </p:txBody>
       </p:sp>
@@ -16046,13 +15926,6 @@
   <p:clrMapOvr>
     <a:masterClrMapping/>
   </p:clrMapOvr>
-  <p:timing>
-    <p:tnLst>
-      <p:par>
-        <p:cTn id="1" dur="indefinite" restart="never" nodeType="tmRoot"/>
-      </p:par>
-    </p:tnLst>
-  </p:timing>
 </p:sld>
 </file>
 
@@ -17103,13 +16976,6 @@
   <p:clrMapOvr>
     <a:masterClrMapping/>
   </p:clrMapOvr>
-  <p:timing>
-    <p:tnLst>
-      <p:par>
-        <p:cTn id="1" dur="indefinite" restart="never" nodeType="tmRoot"/>
-      </p:par>
-    </p:tnLst>
-  </p:timing>
 </p:sld>
 </file>
 
@@ -18219,10 +18085,9 @@
           <a:lstStyle/>
           <a:p>
             <a:r>
-              <a:rPr lang="en-US" dirty="0" smtClean="0"/>
+              <a:rPr lang="en-US" dirty="0"/>
               <a:t>Compute</a:t>
             </a:r>
-            <a:endParaRPr lang="en-US" dirty="0"/>
           </a:p>
         </p:txBody>
       </p:sp>
@@ -18260,13 +18125,6 @@
   <p:clrMapOvr>
     <a:masterClrMapping/>
   </p:clrMapOvr>
-  <p:timing>
-    <p:tnLst>
-      <p:par>
-        <p:cTn id="1" dur="indefinite" restart="never" nodeType="tmRoot"/>
-      </p:par>
-    </p:tnLst>
-  </p:timing>
 </p:sld>
 </file>
 

--- a/clases/Cap06_Clustering/presentations/PAT06_GaussMix.pptx
+++ b/clases/Cap06_Clustering/presentations/PAT06_GaussMix.pptx
@@ -220,7 +220,7 @@
           <a:p>
             <a:fld id="{089CB84B-3086-824D-91F5-F571CFDD3E7D}" type="datetimeFigureOut">
               <a:rPr lang="en-US" smtClean="0"/>
-              <a:t>6/4/19</a:t>
+              <a:t>6/18/20</a:t>
             </a:fld>
             <a:endParaRPr lang="en-US"/>
           </a:p>
@@ -758,9 +758,9 @@
           <a:bodyPr/>
           <a:lstStyle/>
           <a:p>
-            <a:fld id="{D3AE09B4-90D0-1245-B83D-B1B2932963E4}" type="datetimeFigureOut">
-              <a:rPr lang="en-US" smtClean="0"/>
-              <a:t>6/4/19</a:t>
+            <a:fld id="{72FC0DCD-F5F3-C140-9DD1-A8F9C9CBA39B}" type="datetime1">
+              <a:rPr lang="en-AU" smtClean="0"/>
+              <a:t>18/6/20</a:t>
             </a:fld>
             <a:endParaRPr lang="en-US"/>
           </a:p>
@@ -928,9 +928,9 @@
           <a:bodyPr/>
           <a:lstStyle/>
           <a:p>
-            <a:fld id="{D3AE09B4-90D0-1245-B83D-B1B2932963E4}" type="datetimeFigureOut">
-              <a:rPr lang="en-US" smtClean="0"/>
-              <a:t>6/4/19</a:t>
+            <a:fld id="{37D86792-3546-A946-BD63-4D83D26F2AEB}" type="datetime1">
+              <a:rPr lang="en-AU" smtClean="0"/>
+              <a:t>18/6/20</a:t>
             </a:fld>
             <a:endParaRPr lang="en-US"/>
           </a:p>
@@ -1108,9 +1108,9 @@
           <a:bodyPr/>
           <a:lstStyle/>
           <a:p>
-            <a:fld id="{D3AE09B4-90D0-1245-B83D-B1B2932963E4}" type="datetimeFigureOut">
-              <a:rPr lang="en-US" smtClean="0"/>
-              <a:t>6/4/19</a:t>
+            <a:fld id="{2563B1F0-E250-4348-9758-7CBC0B49A33B}" type="datetime1">
+              <a:rPr lang="en-AU" smtClean="0"/>
+              <a:t>18/6/20</a:t>
             </a:fld>
             <a:endParaRPr lang="en-US"/>
           </a:p>
@@ -1278,9 +1278,9 @@
           <a:bodyPr/>
           <a:lstStyle/>
           <a:p>
-            <a:fld id="{D3AE09B4-90D0-1245-B83D-B1B2932963E4}" type="datetimeFigureOut">
-              <a:rPr lang="en-US" smtClean="0"/>
-              <a:t>6/4/19</a:t>
+            <a:fld id="{3BB89FC8-E805-9F41-AEA9-CE0598E63377}" type="datetime1">
+              <a:rPr lang="en-AU" smtClean="0"/>
+              <a:t>18/6/20</a:t>
             </a:fld>
             <a:endParaRPr lang="en-US"/>
           </a:p>
@@ -1524,9 +1524,9 @@
           <a:bodyPr/>
           <a:lstStyle/>
           <a:p>
-            <a:fld id="{D3AE09B4-90D0-1245-B83D-B1B2932963E4}" type="datetimeFigureOut">
-              <a:rPr lang="en-US" smtClean="0"/>
-              <a:t>6/4/19</a:t>
+            <a:fld id="{0E447516-D31D-DB46-A843-D878D7CBA291}" type="datetime1">
+              <a:rPr lang="en-AU" smtClean="0"/>
+              <a:t>18/6/20</a:t>
             </a:fld>
             <a:endParaRPr lang="en-US"/>
           </a:p>
@@ -1812,9 +1812,9 @@
           <a:bodyPr/>
           <a:lstStyle/>
           <a:p>
-            <a:fld id="{D3AE09B4-90D0-1245-B83D-B1B2932963E4}" type="datetimeFigureOut">
-              <a:rPr lang="en-US" smtClean="0"/>
-              <a:t>6/4/19</a:t>
+            <a:fld id="{A75AAE54-6CBA-EE42-B7DA-88F5437FD79C}" type="datetime1">
+              <a:rPr lang="en-AU" smtClean="0"/>
+              <a:t>18/6/20</a:t>
             </a:fld>
             <a:endParaRPr lang="en-US"/>
           </a:p>
@@ -2234,9 +2234,9 @@
           <a:bodyPr/>
           <a:lstStyle/>
           <a:p>
-            <a:fld id="{D3AE09B4-90D0-1245-B83D-B1B2932963E4}" type="datetimeFigureOut">
-              <a:rPr lang="en-US" smtClean="0"/>
-              <a:t>6/4/19</a:t>
+            <a:fld id="{C58AD67D-DA1C-664F-9428-54F0689230B6}" type="datetime1">
+              <a:rPr lang="en-AU" smtClean="0"/>
+              <a:t>18/6/20</a:t>
             </a:fld>
             <a:endParaRPr lang="en-US"/>
           </a:p>
@@ -2352,9 +2352,9 @@
           <a:bodyPr/>
           <a:lstStyle/>
           <a:p>
-            <a:fld id="{D3AE09B4-90D0-1245-B83D-B1B2932963E4}" type="datetimeFigureOut">
-              <a:rPr lang="en-US" smtClean="0"/>
-              <a:t>6/4/19</a:t>
+            <a:fld id="{1DBCAF55-67AC-EF47-9832-1837DB96E1CE}" type="datetime1">
+              <a:rPr lang="en-AU" smtClean="0"/>
+              <a:t>18/6/20</a:t>
             </a:fld>
             <a:endParaRPr lang="en-US"/>
           </a:p>
@@ -2447,9 +2447,9 @@
           <a:bodyPr/>
           <a:lstStyle/>
           <a:p>
-            <a:fld id="{D3AE09B4-90D0-1245-B83D-B1B2932963E4}" type="datetimeFigureOut">
-              <a:rPr lang="en-US" smtClean="0"/>
-              <a:t>6/4/19</a:t>
+            <a:fld id="{D89A4CB8-D5D7-DC43-AED8-6F0E8E6DD11A}" type="datetime1">
+              <a:rPr lang="en-AU" smtClean="0"/>
+              <a:t>18/6/20</a:t>
             </a:fld>
             <a:endParaRPr lang="en-US"/>
           </a:p>
@@ -2724,9 +2724,9 @@
           <a:bodyPr/>
           <a:lstStyle/>
           <a:p>
-            <a:fld id="{D3AE09B4-90D0-1245-B83D-B1B2932963E4}" type="datetimeFigureOut">
-              <a:rPr lang="en-US" smtClean="0"/>
-              <a:t>6/4/19</a:t>
+            <a:fld id="{70B87825-29C8-B147-B677-935C1C2140B8}" type="datetime1">
+              <a:rPr lang="en-AU" smtClean="0"/>
+              <a:t>18/6/20</a:t>
             </a:fld>
             <a:endParaRPr lang="en-US"/>
           </a:p>
@@ -2977,9 +2977,9 @@
           <a:bodyPr/>
           <a:lstStyle/>
           <a:p>
-            <a:fld id="{D3AE09B4-90D0-1245-B83D-B1B2932963E4}" type="datetimeFigureOut">
-              <a:rPr lang="en-US" smtClean="0"/>
-              <a:t>6/4/19</a:t>
+            <a:fld id="{B9B92644-E500-8B4E-8C2C-4D0D48554B7F}" type="datetime1">
+              <a:rPr lang="en-AU" smtClean="0"/>
+              <a:t>18/6/20</a:t>
             </a:fld>
             <a:endParaRPr lang="en-US"/>
           </a:p>
@@ -3188,9 +3188,9 @@
             </a:lvl1pPr>
           </a:lstStyle>
           <a:p>
-            <a:fld id="{D3AE09B4-90D0-1245-B83D-B1B2932963E4}" type="datetimeFigureOut">
-              <a:rPr lang="en-US" smtClean="0"/>
-              <a:t>6/4/19</a:t>
+            <a:fld id="{B4BA6245-D004-D046-9F47-3112622EB4DF}" type="datetime1">
+              <a:rPr lang="en-AU" smtClean="0"/>
+              <a:t>18/6/20</a:t>
             </a:fld>
             <a:endParaRPr lang="en-US"/>
           </a:p>
@@ -3295,6 +3295,7 @@
     <p:sldLayoutId id="2147483658" r:id="rId10"/>
     <p:sldLayoutId id="2147483659" r:id="rId11"/>
   </p:sldLayoutIdLst>
+  <p:hf hdr="0" ftr="0" dt="0"/>
   <p:txStyles>
     <p:titleStyle>
       <a:lvl1pPr algn="ctr" defTabSz="457200" rtl="0" eaLnBrk="1" latinLnBrk="0" hangingPunct="1">
@@ -4297,6 +4298,35 @@
               </a:rPr>
               <a:t>[ Capítulo 6 ]</a:t>
             </a:r>
+          </a:p>
+        </p:txBody>
+      </p:sp>
+      <p:sp>
+        <p:nvSpPr>
+          <p:cNvPr id="2" name="Slide Number Placeholder 1">
+            <a:extLst>
+              <a:ext uri="{FF2B5EF4-FFF2-40B4-BE49-F238E27FC236}">
+                <a16:creationId xmlns:a16="http://schemas.microsoft.com/office/drawing/2014/main" id="{B862A27D-AE99-4441-8D6D-E27155884F18}"/>
+              </a:ext>
+            </a:extLst>
+          </p:cNvPr>
+          <p:cNvSpPr>
+            <a:spLocks noGrp="1"/>
+          </p:cNvSpPr>
+          <p:nvPr>
+            <p:ph type="sldNum" sz="quarter" idx="12"/>
+          </p:nvPr>
+        </p:nvSpPr>
+        <p:spPr/>
+        <p:txBody>
+          <a:bodyPr/>
+          <a:lstStyle/>
+          <a:p>
+            <a:fld id="{9C0B2870-7350-8D40-A01A-CE539DF873CB}" type="slidenum">
+              <a:rPr lang="en-US" smtClean="0"/>
+              <a:t>1</a:t>
+            </a:fld>
+            <a:endParaRPr lang="en-US"/>
           </a:p>
         </p:txBody>
       </p:sp>
@@ -6508,6 +6538,77 @@
           </a:prstGeom>
         </p:spPr>
       </p:pic>
+      <p:sp>
+        <p:nvSpPr>
+          <p:cNvPr id="2" name="Slide Number Placeholder 1">
+            <a:extLst>
+              <a:ext uri="{FF2B5EF4-FFF2-40B4-BE49-F238E27FC236}">
+                <a16:creationId xmlns:a16="http://schemas.microsoft.com/office/drawing/2014/main" id="{5E8C7FA2-069E-9A41-B573-370E51336322}"/>
+              </a:ext>
+            </a:extLst>
+          </p:cNvPr>
+          <p:cNvSpPr>
+            <a:spLocks noGrp="1"/>
+          </p:cNvSpPr>
+          <p:nvPr>
+            <p:ph type="sldNum" sz="quarter" idx="12"/>
+          </p:nvPr>
+        </p:nvSpPr>
+        <p:spPr/>
+        <p:txBody>
+          <a:bodyPr/>
+          <a:lstStyle/>
+          <a:p>
+            <a:fld id="{9C0B2870-7350-8D40-A01A-CE539DF873CB}" type="slidenum">
+              <a:rPr lang="en-US" smtClean="0"/>
+              <a:t>10</a:t>
+            </a:fld>
+            <a:endParaRPr lang="en-US"/>
+          </a:p>
+        </p:txBody>
+      </p:sp>
+      <p:sp>
+        <p:nvSpPr>
+          <p:cNvPr id="47" name="TextBox 46">
+            <a:extLst>
+              <a:ext uri="{FF2B5EF4-FFF2-40B4-BE49-F238E27FC236}">
+                <a16:creationId xmlns:a16="http://schemas.microsoft.com/office/drawing/2014/main" id="{672BF13B-00DA-FD42-99E9-B0477D309080}"/>
+              </a:ext>
+            </a:extLst>
+          </p:cNvPr>
+          <p:cNvSpPr txBox="1"/>
+          <p:nvPr/>
+        </p:nvSpPr>
+        <p:spPr>
+          <a:xfrm>
+            <a:off x="0" y="6538912"/>
+            <a:ext cx="1564787" cy="276999"/>
+          </a:xfrm>
+          <a:prstGeom prst="rect">
+            <a:avLst/>
+          </a:prstGeom>
+          <a:noFill/>
+        </p:spPr>
+        <p:txBody>
+          <a:bodyPr wrap="none" rtlCol="0">
+            <a:spAutoFit/>
+          </a:bodyPr>
+          <a:lstStyle/>
+          <a:p>
+            <a:r>
+              <a:rPr lang="en-US" sz="1200" dirty="0">
+                <a:solidFill>
+                  <a:schemeClr val="tx1">
+                    <a:lumMod val="50000"/>
+                    <a:lumOff val="50000"/>
+                  </a:schemeClr>
+                </a:solidFill>
+              </a:rPr>
+              <a:t>PAT06_GaussMix.pptx</a:t>
+            </a:r>
+          </a:p>
+        </p:txBody>
+      </p:sp>
     </p:spTree>
     <p:extLst>
       <p:ext uri="{BB962C8B-B14F-4D97-AF65-F5344CB8AC3E}">
@@ -7716,6 +7817,77 @@
           </a:p>
         </p:txBody>
       </p:sp>
+      <p:sp>
+        <p:nvSpPr>
+          <p:cNvPr id="2" name="Slide Number Placeholder 1">
+            <a:extLst>
+              <a:ext uri="{FF2B5EF4-FFF2-40B4-BE49-F238E27FC236}">
+                <a16:creationId xmlns:a16="http://schemas.microsoft.com/office/drawing/2014/main" id="{FD7759AF-8E10-5B4B-9DC3-E47436DC42CF}"/>
+              </a:ext>
+            </a:extLst>
+          </p:cNvPr>
+          <p:cNvSpPr>
+            <a:spLocks noGrp="1"/>
+          </p:cNvSpPr>
+          <p:nvPr>
+            <p:ph type="sldNum" sz="quarter" idx="12"/>
+          </p:nvPr>
+        </p:nvSpPr>
+        <p:spPr/>
+        <p:txBody>
+          <a:bodyPr/>
+          <a:lstStyle/>
+          <a:p>
+            <a:fld id="{9C0B2870-7350-8D40-A01A-CE539DF873CB}" type="slidenum">
+              <a:rPr lang="en-US" smtClean="0"/>
+              <a:t>11</a:t>
+            </a:fld>
+            <a:endParaRPr lang="en-US"/>
+          </a:p>
+        </p:txBody>
+      </p:sp>
+      <p:sp>
+        <p:nvSpPr>
+          <p:cNvPr id="32" name="TextBox 31">
+            <a:extLst>
+              <a:ext uri="{FF2B5EF4-FFF2-40B4-BE49-F238E27FC236}">
+                <a16:creationId xmlns:a16="http://schemas.microsoft.com/office/drawing/2014/main" id="{20CF3247-0D96-0F47-BDE5-D2B35CE9F89A}"/>
+              </a:ext>
+            </a:extLst>
+          </p:cNvPr>
+          <p:cNvSpPr txBox="1"/>
+          <p:nvPr/>
+        </p:nvSpPr>
+        <p:spPr>
+          <a:xfrm>
+            <a:off x="0" y="6538912"/>
+            <a:ext cx="1564787" cy="276999"/>
+          </a:xfrm>
+          <a:prstGeom prst="rect">
+            <a:avLst/>
+          </a:prstGeom>
+          <a:noFill/>
+        </p:spPr>
+        <p:txBody>
+          <a:bodyPr wrap="none" rtlCol="0">
+            <a:spAutoFit/>
+          </a:bodyPr>
+          <a:lstStyle/>
+          <a:p>
+            <a:r>
+              <a:rPr lang="en-US" sz="1200" dirty="0">
+                <a:solidFill>
+                  <a:schemeClr val="tx1">
+                    <a:lumMod val="50000"/>
+                    <a:lumOff val="50000"/>
+                  </a:schemeClr>
+                </a:solidFill>
+              </a:rPr>
+              <a:t>PAT06_GaussMix.pptx</a:t>
+            </a:r>
+          </a:p>
+        </p:txBody>
+      </p:sp>
     </p:spTree>
     <p:extLst>
       <p:ext uri="{BB962C8B-B14F-4D97-AF65-F5344CB8AC3E}">
@@ -8842,6 +9014,77 @@
           </a:p>
         </p:txBody>
       </p:sp>
+      <p:sp>
+        <p:nvSpPr>
+          <p:cNvPr id="2" name="Slide Number Placeholder 1">
+            <a:extLst>
+              <a:ext uri="{FF2B5EF4-FFF2-40B4-BE49-F238E27FC236}">
+                <a16:creationId xmlns:a16="http://schemas.microsoft.com/office/drawing/2014/main" id="{72DCE902-F005-1544-B9C9-67FB56D18AFC}"/>
+              </a:ext>
+            </a:extLst>
+          </p:cNvPr>
+          <p:cNvSpPr>
+            <a:spLocks noGrp="1"/>
+          </p:cNvSpPr>
+          <p:nvPr>
+            <p:ph type="sldNum" sz="quarter" idx="12"/>
+          </p:nvPr>
+        </p:nvSpPr>
+        <p:spPr/>
+        <p:txBody>
+          <a:bodyPr/>
+          <a:lstStyle/>
+          <a:p>
+            <a:fld id="{9C0B2870-7350-8D40-A01A-CE539DF873CB}" type="slidenum">
+              <a:rPr lang="en-US" smtClean="0"/>
+              <a:t>12</a:t>
+            </a:fld>
+            <a:endParaRPr lang="en-US"/>
+          </a:p>
+        </p:txBody>
+      </p:sp>
+      <p:sp>
+        <p:nvSpPr>
+          <p:cNvPr id="29" name="TextBox 28">
+            <a:extLst>
+              <a:ext uri="{FF2B5EF4-FFF2-40B4-BE49-F238E27FC236}">
+                <a16:creationId xmlns:a16="http://schemas.microsoft.com/office/drawing/2014/main" id="{38E0A7FB-14D4-3D4D-A0CE-52E9DF84681C}"/>
+              </a:ext>
+            </a:extLst>
+          </p:cNvPr>
+          <p:cNvSpPr txBox="1"/>
+          <p:nvPr/>
+        </p:nvSpPr>
+        <p:spPr>
+          <a:xfrm>
+            <a:off x="0" y="6538912"/>
+            <a:ext cx="1564787" cy="276999"/>
+          </a:xfrm>
+          <a:prstGeom prst="rect">
+            <a:avLst/>
+          </a:prstGeom>
+          <a:noFill/>
+        </p:spPr>
+        <p:txBody>
+          <a:bodyPr wrap="none" rtlCol="0">
+            <a:spAutoFit/>
+          </a:bodyPr>
+          <a:lstStyle/>
+          <a:p>
+            <a:r>
+              <a:rPr lang="en-US" sz="1200" dirty="0">
+                <a:solidFill>
+                  <a:schemeClr val="tx1">
+                    <a:lumMod val="50000"/>
+                    <a:lumOff val="50000"/>
+                  </a:schemeClr>
+                </a:solidFill>
+              </a:rPr>
+              <a:t>PAT06_GaussMix.pptx</a:t>
+            </a:r>
+          </a:p>
+        </p:txBody>
+      </p:sp>
     </p:spTree>
     <p:extLst>
       <p:ext uri="{BB962C8B-B14F-4D97-AF65-F5344CB8AC3E}">
@@ -9964,6 +10207,77 @@
           <a:p>
             <a:pPr algn="ctr"/>
             <a:endParaRPr lang="en-US"/>
+          </a:p>
+        </p:txBody>
+      </p:sp>
+      <p:sp>
+        <p:nvSpPr>
+          <p:cNvPr id="2" name="Slide Number Placeholder 1">
+            <a:extLst>
+              <a:ext uri="{FF2B5EF4-FFF2-40B4-BE49-F238E27FC236}">
+                <a16:creationId xmlns:a16="http://schemas.microsoft.com/office/drawing/2014/main" id="{72D20010-6F65-6845-BC58-774D8A66504C}"/>
+              </a:ext>
+            </a:extLst>
+          </p:cNvPr>
+          <p:cNvSpPr>
+            <a:spLocks noGrp="1"/>
+          </p:cNvSpPr>
+          <p:nvPr>
+            <p:ph type="sldNum" sz="quarter" idx="12"/>
+          </p:nvPr>
+        </p:nvSpPr>
+        <p:spPr/>
+        <p:txBody>
+          <a:bodyPr/>
+          <a:lstStyle/>
+          <a:p>
+            <a:fld id="{9C0B2870-7350-8D40-A01A-CE539DF873CB}" type="slidenum">
+              <a:rPr lang="en-US" smtClean="0"/>
+              <a:t>13</a:t>
+            </a:fld>
+            <a:endParaRPr lang="en-US"/>
+          </a:p>
+        </p:txBody>
+      </p:sp>
+      <p:sp>
+        <p:nvSpPr>
+          <p:cNvPr id="30" name="TextBox 29">
+            <a:extLst>
+              <a:ext uri="{FF2B5EF4-FFF2-40B4-BE49-F238E27FC236}">
+                <a16:creationId xmlns:a16="http://schemas.microsoft.com/office/drawing/2014/main" id="{366766CA-9ED5-1A46-9B69-834E20093841}"/>
+              </a:ext>
+            </a:extLst>
+          </p:cNvPr>
+          <p:cNvSpPr txBox="1"/>
+          <p:nvPr/>
+        </p:nvSpPr>
+        <p:spPr>
+          <a:xfrm>
+            <a:off x="0" y="6538912"/>
+            <a:ext cx="1564787" cy="276999"/>
+          </a:xfrm>
+          <a:prstGeom prst="rect">
+            <a:avLst/>
+          </a:prstGeom>
+          <a:noFill/>
+        </p:spPr>
+        <p:txBody>
+          <a:bodyPr wrap="none" rtlCol="0">
+            <a:spAutoFit/>
+          </a:bodyPr>
+          <a:lstStyle/>
+          <a:p>
+            <a:r>
+              <a:rPr lang="en-US" sz="1200" dirty="0">
+                <a:solidFill>
+                  <a:schemeClr val="tx1">
+                    <a:lumMod val="50000"/>
+                    <a:lumOff val="50000"/>
+                  </a:schemeClr>
+                </a:solidFill>
+              </a:rPr>
+              <a:t>PAT06_GaussMix.pptx</a:t>
+            </a:r>
           </a:p>
         </p:txBody>
       </p:sp>
@@ -10521,6 +10835,77 @@
           </a:prstGeom>
         </p:spPr>
       </p:pic>
+      <p:sp>
+        <p:nvSpPr>
+          <p:cNvPr id="6" name="Slide Number Placeholder 5">
+            <a:extLst>
+              <a:ext uri="{FF2B5EF4-FFF2-40B4-BE49-F238E27FC236}">
+                <a16:creationId xmlns:a16="http://schemas.microsoft.com/office/drawing/2014/main" id="{80DC989B-B253-AA4D-A000-E0C7E288D6E7}"/>
+              </a:ext>
+            </a:extLst>
+          </p:cNvPr>
+          <p:cNvSpPr>
+            <a:spLocks noGrp="1"/>
+          </p:cNvSpPr>
+          <p:nvPr>
+            <p:ph type="sldNum" sz="quarter" idx="12"/>
+          </p:nvPr>
+        </p:nvSpPr>
+        <p:spPr/>
+        <p:txBody>
+          <a:bodyPr/>
+          <a:lstStyle/>
+          <a:p>
+            <a:fld id="{9C0B2870-7350-8D40-A01A-CE539DF873CB}" type="slidenum">
+              <a:rPr lang="en-US" smtClean="0"/>
+              <a:t>2</a:t>
+            </a:fld>
+            <a:endParaRPr lang="en-US"/>
+          </a:p>
+        </p:txBody>
+      </p:sp>
+      <p:sp>
+        <p:nvSpPr>
+          <p:cNvPr id="8" name="TextBox 7">
+            <a:extLst>
+              <a:ext uri="{FF2B5EF4-FFF2-40B4-BE49-F238E27FC236}">
+                <a16:creationId xmlns:a16="http://schemas.microsoft.com/office/drawing/2014/main" id="{FCE88917-67B5-8345-9ADE-D2655FB93C87}"/>
+              </a:ext>
+            </a:extLst>
+          </p:cNvPr>
+          <p:cNvSpPr txBox="1"/>
+          <p:nvPr/>
+        </p:nvSpPr>
+        <p:spPr>
+          <a:xfrm>
+            <a:off x="0" y="6538912"/>
+            <a:ext cx="1564787" cy="276999"/>
+          </a:xfrm>
+          <a:prstGeom prst="rect">
+            <a:avLst/>
+          </a:prstGeom>
+          <a:noFill/>
+        </p:spPr>
+        <p:txBody>
+          <a:bodyPr wrap="none" rtlCol="0">
+            <a:spAutoFit/>
+          </a:bodyPr>
+          <a:lstStyle/>
+          <a:p>
+            <a:r>
+              <a:rPr lang="en-US" sz="1200" dirty="0">
+                <a:solidFill>
+                  <a:schemeClr val="tx1">
+                    <a:lumMod val="50000"/>
+                    <a:lumOff val="50000"/>
+                  </a:schemeClr>
+                </a:solidFill>
+              </a:rPr>
+              <a:t>PAT06_GaussMix.pptx</a:t>
+            </a:r>
+          </a:p>
+        </p:txBody>
+      </p:sp>
     </p:spTree>
     <p:extLst>
       <p:ext uri="{BB962C8B-B14F-4D97-AF65-F5344CB8AC3E}">
@@ -11463,6 +11848,77 @@
           </a:p>
         </p:txBody>
       </p:sp>
+      <p:sp>
+        <p:nvSpPr>
+          <p:cNvPr id="2" name="Slide Number Placeholder 1">
+            <a:extLst>
+              <a:ext uri="{FF2B5EF4-FFF2-40B4-BE49-F238E27FC236}">
+                <a16:creationId xmlns:a16="http://schemas.microsoft.com/office/drawing/2014/main" id="{C03AF340-6B2A-A24C-B3F3-ADB4D336A4FA}"/>
+              </a:ext>
+            </a:extLst>
+          </p:cNvPr>
+          <p:cNvSpPr>
+            <a:spLocks noGrp="1"/>
+          </p:cNvSpPr>
+          <p:nvPr>
+            <p:ph type="sldNum" sz="quarter" idx="12"/>
+          </p:nvPr>
+        </p:nvSpPr>
+        <p:spPr/>
+        <p:txBody>
+          <a:bodyPr/>
+          <a:lstStyle/>
+          <a:p>
+            <a:fld id="{9C0B2870-7350-8D40-A01A-CE539DF873CB}" type="slidenum">
+              <a:rPr lang="en-US" smtClean="0"/>
+              <a:t>3</a:t>
+            </a:fld>
+            <a:endParaRPr lang="en-US"/>
+          </a:p>
+        </p:txBody>
+      </p:sp>
+      <p:sp>
+        <p:nvSpPr>
+          <p:cNvPr id="28" name="TextBox 27">
+            <a:extLst>
+              <a:ext uri="{FF2B5EF4-FFF2-40B4-BE49-F238E27FC236}">
+                <a16:creationId xmlns:a16="http://schemas.microsoft.com/office/drawing/2014/main" id="{C24A113E-A36C-EE4F-A386-398786AAC331}"/>
+              </a:ext>
+            </a:extLst>
+          </p:cNvPr>
+          <p:cNvSpPr txBox="1"/>
+          <p:nvPr/>
+        </p:nvSpPr>
+        <p:spPr>
+          <a:xfrm>
+            <a:off x="0" y="6538912"/>
+            <a:ext cx="1564787" cy="276999"/>
+          </a:xfrm>
+          <a:prstGeom prst="rect">
+            <a:avLst/>
+          </a:prstGeom>
+          <a:noFill/>
+        </p:spPr>
+        <p:txBody>
+          <a:bodyPr wrap="none" rtlCol="0">
+            <a:spAutoFit/>
+          </a:bodyPr>
+          <a:lstStyle/>
+          <a:p>
+            <a:r>
+              <a:rPr lang="en-US" sz="1200" dirty="0">
+                <a:solidFill>
+                  <a:schemeClr val="tx1">
+                    <a:lumMod val="50000"/>
+                    <a:lumOff val="50000"/>
+                  </a:schemeClr>
+                </a:solidFill>
+              </a:rPr>
+              <a:t>PAT06_GaussMix.pptx</a:t>
+            </a:r>
+          </a:p>
+        </p:txBody>
+      </p:sp>
     </p:spTree>
     <p:extLst>
       <p:ext uri="{BB962C8B-B14F-4D97-AF65-F5344CB8AC3E}">
@@ -12442,6 +12898,77 @@
               <a:t>K=2 points (centroids)</a:t>
             </a:r>
             <a:endParaRPr lang="en-US" dirty="0"/>
+          </a:p>
+        </p:txBody>
+      </p:sp>
+      <p:sp>
+        <p:nvSpPr>
+          <p:cNvPr id="3" name="Slide Number Placeholder 2">
+            <a:extLst>
+              <a:ext uri="{FF2B5EF4-FFF2-40B4-BE49-F238E27FC236}">
+                <a16:creationId xmlns:a16="http://schemas.microsoft.com/office/drawing/2014/main" id="{FA9DF752-8E36-DB4E-9277-94C10A3EC090}"/>
+              </a:ext>
+            </a:extLst>
+          </p:cNvPr>
+          <p:cNvSpPr>
+            <a:spLocks noGrp="1"/>
+          </p:cNvSpPr>
+          <p:nvPr>
+            <p:ph type="sldNum" sz="quarter" idx="12"/>
+          </p:nvPr>
+        </p:nvSpPr>
+        <p:spPr/>
+        <p:txBody>
+          <a:bodyPr/>
+          <a:lstStyle/>
+          <a:p>
+            <a:fld id="{9C0B2870-7350-8D40-A01A-CE539DF873CB}" type="slidenum">
+              <a:rPr lang="en-US" smtClean="0"/>
+              <a:t>4</a:t>
+            </a:fld>
+            <a:endParaRPr lang="en-US"/>
+          </a:p>
+        </p:txBody>
+      </p:sp>
+      <p:sp>
+        <p:nvSpPr>
+          <p:cNvPr id="28" name="TextBox 27">
+            <a:extLst>
+              <a:ext uri="{FF2B5EF4-FFF2-40B4-BE49-F238E27FC236}">
+                <a16:creationId xmlns:a16="http://schemas.microsoft.com/office/drawing/2014/main" id="{BB6681B8-7A4D-DF40-8AE4-534ABA20EBC7}"/>
+              </a:ext>
+            </a:extLst>
+          </p:cNvPr>
+          <p:cNvSpPr txBox="1"/>
+          <p:nvPr/>
+        </p:nvSpPr>
+        <p:spPr>
+          <a:xfrm>
+            <a:off x="0" y="6538912"/>
+            <a:ext cx="1564787" cy="276999"/>
+          </a:xfrm>
+          <a:prstGeom prst="rect">
+            <a:avLst/>
+          </a:prstGeom>
+          <a:noFill/>
+        </p:spPr>
+        <p:txBody>
+          <a:bodyPr wrap="none" rtlCol="0">
+            <a:spAutoFit/>
+          </a:bodyPr>
+          <a:lstStyle/>
+          <a:p>
+            <a:r>
+              <a:rPr lang="en-US" sz="1200" dirty="0">
+                <a:solidFill>
+                  <a:schemeClr val="tx1">
+                    <a:lumMod val="50000"/>
+                    <a:lumOff val="50000"/>
+                  </a:schemeClr>
+                </a:solidFill>
+              </a:rPr>
+              <a:t>PAT06_GaussMix.pptx</a:t>
+            </a:r>
           </a:p>
         </p:txBody>
       </p:sp>
@@ -13818,6 +14345,77 @@
           </p:txBody>
         </p:sp>
       </p:grpSp>
+      <p:sp>
+        <p:nvSpPr>
+          <p:cNvPr id="37" name="Slide Number Placeholder 36">
+            <a:extLst>
+              <a:ext uri="{FF2B5EF4-FFF2-40B4-BE49-F238E27FC236}">
+                <a16:creationId xmlns:a16="http://schemas.microsoft.com/office/drawing/2014/main" id="{93413A58-CDD0-4945-ABD9-CD85ADC134F5}"/>
+              </a:ext>
+            </a:extLst>
+          </p:cNvPr>
+          <p:cNvSpPr>
+            <a:spLocks noGrp="1"/>
+          </p:cNvSpPr>
+          <p:nvPr>
+            <p:ph type="sldNum" sz="quarter" idx="12"/>
+          </p:nvPr>
+        </p:nvSpPr>
+        <p:spPr/>
+        <p:txBody>
+          <a:bodyPr/>
+          <a:lstStyle/>
+          <a:p>
+            <a:fld id="{9C0B2870-7350-8D40-A01A-CE539DF873CB}" type="slidenum">
+              <a:rPr lang="en-US" smtClean="0"/>
+              <a:t>5</a:t>
+            </a:fld>
+            <a:endParaRPr lang="en-US"/>
+          </a:p>
+        </p:txBody>
+      </p:sp>
+      <p:sp>
+        <p:nvSpPr>
+          <p:cNvPr id="38" name="TextBox 37">
+            <a:extLst>
+              <a:ext uri="{FF2B5EF4-FFF2-40B4-BE49-F238E27FC236}">
+                <a16:creationId xmlns:a16="http://schemas.microsoft.com/office/drawing/2014/main" id="{68D76C62-F07F-BA47-AAA4-02578B55874E}"/>
+              </a:ext>
+            </a:extLst>
+          </p:cNvPr>
+          <p:cNvSpPr txBox="1"/>
+          <p:nvPr/>
+        </p:nvSpPr>
+        <p:spPr>
+          <a:xfrm>
+            <a:off x="0" y="6538912"/>
+            <a:ext cx="1564787" cy="276999"/>
+          </a:xfrm>
+          <a:prstGeom prst="rect">
+            <a:avLst/>
+          </a:prstGeom>
+          <a:noFill/>
+        </p:spPr>
+        <p:txBody>
+          <a:bodyPr wrap="none" rtlCol="0">
+            <a:spAutoFit/>
+          </a:bodyPr>
+          <a:lstStyle/>
+          <a:p>
+            <a:r>
+              <a:rPr lang="en-US" sz="1200" dirty="0">
+                <a:solidFill>
+                  <a:schemeClr val="tx1">
+                    <a:lumMod val="50000"/>
+                    <a:lumOff val="50000"/>
+                  </a:schemeClr>
+                </a:solidFill>
+              </a:rPr>
+              <a:t>PAT06_GaussMix.pptx</a:t>
+            </a:r>
+          </a:p>
+        </p:txBody>
+      </p:sp>
     </p:spTree>
     <p:extLst>
       <p:ext uri="{BB962C8B-B14F-4D97-AF65-F5344CB8AC3E}">
@@ -14831,6 +15429,77 @@
           </a:fontRef>
         </p:style>
       </p:cxnSp>
+      <p:sp>
+        <p:nvSpPr>
+          <p:cNvPr id="3" name="Slide Number Placeholder 2">
+            <a:extLst>
+              <a:ext uri="{FF2B5EF4-FFF2-40B4-BE49-F238E27FC236}">
+                <a16:creationId xmlns:a16="http://schemas.microsoft.com/office/drawing/2014/main" id="{B5C1E738-B30D-774B-A005-D40BCC52273C}"/>
+              </a:ext>
+            </a:extLst>
+          </p:cNvPr>
+          <p:cNvSpPr>
+            <a:spLocks noGrp="1"/>
+          </p:cNvSpPr>
+          <p:nvPr>
+            <p:ph type="sldNum" sz="quarter" idx="12"/>
+          </p:nvPr>
+        </p:nvSpPr>
+        <p:spPr/>
+        <p:txBody>
+          <a:bodyPr/>
+          <a:lstStyle/>
+          <a:p>
+            <a:fld id="{9C0B2870-7350-8D40-A01A-CE539DF873CB}" type="slidenum">
+              <a:rPr lang="en-US" smtClean="0"/>
+              <a:t>6</a:t>
+            </a:fld>
+            <a:endParaRPr lang="en-US"/>
+          </a:p>
+        </p:txBody>
+      </p:sp>
+      <p:sp>
+        <p:nvSpPr>
+          <p:cNvPr id="29" name="TextBox 28">
+            <a:extLst>
+              <a:ext uri="{FF2B5EF4-FFF2-40B4-BE49-F238E27FC236}">
+                <a16:creationId xmlns:a16="http://schemas.microsoft.com/office/drawing/2014/main" id="{583C13DC-D781-7D48-9DB2-D6FD0B9DCD23}"/>
+              </a:ext>
+            </a:extLst>
+          </p:cNvPr>
+          <p:cNvSpPr txBox="1"/>
+          <p:nvPr/>
+        </p:nvSpPr>
+        <p:spPr>
+          <a:xfrm>
+            <a:off x="0" y="6538912"/>
+            <a:ext cx="1564787" cy="276999"/>
+          </a:xfrm>
+          <a:prstGeom prst="rect">
+            <a:avLst/>
+          </a:prstGeom>
+          <a:noFill/>
+        </p:spPr>
+        <p:txBody>
+          <a:bodyPr wrap="none" rtlCol="0">
+            <a:spAutoFit/>
+          </a:bodyPr>
+          <a:lstStyle/>
+          <a:p>
+            <a:r>
+              <a:rPr lang="en-US" sz="1200" dirty="0">
+                <a:solidFill>
+                  <a:schemeClr val="tx1">
+                    <a:lumMod val="50000"/>
+                    <a:lumOff val="50000"/>
+                  </a:schemeClr>
+                </a:solidFill>
+              </a:rPr>
+              <a:t>PAT06_GaussMix.pptx</a:t>
+            </a:r>
+          </a:p>
+        </p:txBody>
+      </p:sp>
     </p:spTree>
     <p:extLst>
       <p:ext uri="{BB962C8B-B14F-4D97-AF65-F5344CB8AC3E}">
@@ -15916,6 +16585,77 @@
           </a:fontRef>
         </p:style>
       </p:cxnSp>
+      <p:sp>
+        <p:nvSpPr>
+          <p:cNvPr id="3" name="Slide Number Placeholder 2">
+            <a:extLst>
+              <a:ext uri="{FF2B5EF4-FFF2-40B4-BE49-F238E27FC236}">
+                <a16:creationId xmlns:a16="http://schemas.microsoft.com/office/drawing/2014/main" id="{5BB83DE6-3A28-9B45-B6AE-21BCD3AD8DE5}"/>
+              </a:ext>
+            </a:extLst>
+          </p:cNvPr>
+          <p:cNvSpPr>
+            <a:spLocks noGrp="1"/>
+          </p:cNvSpPr>
+          <p:nvPr>
+            <p:ph type="sldNum" sz="quarter" idx="12"/>
+          </p:nvPr>
+        </p:nvSpPr>
+        <p:spPr/>
+        <p:txBody>
+          <a:bodyPr/>
+          <a:lstStyle/>
+          <a:p>
+            <a:fld id="{9C0B2870-7350-8D40-A01A-CE539DF873CB}" type="slidenum">
+              <a:rPr lang="en-US" smtClean="0"/>
+              <a:t>7</a:t>
+            </a:fld>
+            <a:endParaRPr lang="en-US"/>
+          </a:p>
+        </p:txBody>
+      </p:sp>
+      <p:sp>
+        <p:nvSpPr>
+          <p:cNvPr id="29" name="TextBox 28">
+            <a:extLst>
+              <a:ext uri="{FF2B5EF4-FFF2-40B4-BE49-F238E27FC236}">
+                <a16:creationId xmlns:a16="http://schemas.microsoft.com/office/drawing/2014/main" id="{763B62BB-13E7-F74F-8AF2-2626A86AB3F6}"/>
+              </a:ext>
+            </a:extLst>
+          </p:cNvPr>
+          <p:cNvSpPr txBox="1"/>
+          <p:nvPr/>
+        </p:nvSpPr>
+        <p:spPr>
+          <a:xfrm>
+            <a:off x="0" y="6538912"/>
+            <a:ext cx="1564787" cy="276999"/>
+          </a:xfrm>
+          <a:prstGeom prst="rect">
+            <a:avLst/>
+          </a:prstGeom>
+          <a:noFill/>
+        </p:spPr>
+        <p:txBody>
+          <a:bodyPr wrap="none" rtlCol="0">
+            <a:spAutoFit/>
+          </a:bodyPr>
+          <a:lstStyle/>
+          <a:p>
+            <a:r>
+              <a:rPr lang="en-US" sz="1200" dirty="0">
+                <a:solidFill>
+                  <a:schemeClr val="tx1">
+                    <a:lumMod val="50000"/>
+                    <a:lumOff val="50000"/>
+                  </a:schemeClr>
+                </a:solidFill>
+              </a:rPr>
+              <a:t>PAT06_GaussMix.pptx</a:t>
+            </a:r>
+          </a:p>
+        </p:txBody>
+      </p:sp>
     </p:spTree>
     <p:extLst>
       <p:ext uri="{BB962C8B-B14F-4D97-AF65-F5344CB8AC3E}">
@@ -16966,6 +17706,77 @@
           </a:fontRef>
         </p:style>
       </p:cxnSp>
+      <p:sp>
+        <p:nvSpPr>
+          <p:cNvPr id="2" name="Slide Number Placeholder 1">
+            <a:extLst>
+              <a:ext uri="{FF2B5EF4-FFF2-40B4-BE49-F238E27FC236}">
+                <a16:creationId xmlns:a16="http://schemas.microsoft.com/office/drawing/2014/main" id="{2EE13CBD-664C-4247-88CA-86C42B588717}"/>
+              </a:ext>
+            </a:extLst>
+          </p:cNvPr>
+          <p:cNvSpPr>
+            <a:spLocks noGrp="1"/>
+          </p:cNvSpPr>
+          <p:nvPr>
+            <p:ph type="sldNum" sz="quarter" idx="12"/>
+          </p:nvPr>
+        </p:nvSpPr>
+        <p:spPr/>
+        <p:txBody>
+          <a:bodyPr/>
+          <a:lstStyle/>
+          <a:p>
+            <a:fld id="{9C0B2870-7350-8D40-A01A-CE539DF873CB}" type="slidenum">
+              <a:rPr lang="en-US" smtClean="0"/>
+              <a:t>8</a:t>
+            </a:fld>
+            <a:endParaRPr lang="en-US"/>
+          </a:p>
+        </p:txBody>
+      </p:sp>
+      <p:sp>
+        <p:nvSpPr>
+          <p:cNvPr id="29" name="TextBox 28">
+            <a:extLst>
+              <a:ext uri="{FF2B5EF4-FFF2-40B4-BE49-F238E27FC236}">
+                <a16:creationId xmlns:a16="http://schemas.microsoft.com/office/drawing/2014/main" id="{E4D265E7-F6FD-D840-B94C-9A32381E5326}"/>
+              </a:ext>
+            </a:extLst>
+          </p:cNvPr>
+          <p:cNvSpPr txBox="1"/>
+          <p:nvPr/>
+        </p:nvSpPr>
+        <p:spPr>
+          <a:xfrm>
+            <a:off x="0" y="6538912"/>
+            <a:ext cx="1564787" cy="276999"/>
+          </a:xfrm>
+          <a:prstGeom prst="rect">
+            <a:avLst/>
+          </a:prstGeom>
+          <a:noFill/>
+        </p:spPr>
+        <p:txBody>
+          <a:bodyPr wrap="none" rtlCol="0">
+            <a:spAutoFit/>
+          </a:bodyPr>
+          <a:lstStyle/>
+          <a:p>
+            <a:r>
+              <a:rPr lang="en-US" sz="1200" dirty="0">
+                <a:solidFill>
+                  <a:schemeClr val="tx1">
+                    <a:lumMod val="50000"/>
+                    <a:lumOff val="50000"/>
+                  </a:schemeClr>
+                </a:solidFill>
+              </a:rPr>
+              <a:t>PAT06_GaussMix.pptx</a:t>
+            </a:r>
+          </a:p>
+        </p:txBody>
+      </p:sp>
     </p:spTree>
     <p:extLst>
       <p:ext uri="{BB962C8B-B14F-4D97-AF65-F5344CB8AC3E}">
@@ -18115,6 +18926,77 @@
           </a:prstGeom>
         </p:spPr>
       </p:pic>
+      <p:sp>
+        <p:nvSpPr>
+          <p:cNvPr id="2" name="Slide Number Placeholder 1">
+            <a:extLst>
+              <a:ext uri="{FF2B5EF4-FFF2-40B4-BE49-F238E27FC236}">
+                <a16:creationId xmlns:a16="http://schemas.microsoft.com/office/drawing/2014/main" id="{641ABEB0-63B2-BE44-94C1-FD55E2E58EB3}"/>
+              </a:ext>
+            </a:extLst>
+          </p:cNvPr>
+          <p:cNvSpPr>
+            <a:spLocks noGrp="1"/>
+          </p:cNvSpPr>
+          <p:nvPr>
+            <p:ph type="sldNum" sz="quarter" idx="12"/>
+          </p:nvPr>
+        </p:nvSpPr>
+        <p:spPr/>
+        <p:txBody>
+          <a:bodyPr/>
+          <a:lstStyle/>
+          <a:p>
+            <a:fld id="{9C0B2870-7350-8D40-A01A-CE539DF873CB}" type="slidenum">
+              <a:rPr lang="en-US" smtClean="0"/>
+              <a:t>9</a:t>
+            </a:fld>
+            <a:endParaRPr lang="en-US"/>
+          </a:p>
+        </p:txBody>
+      </p:sp>
+      <p:sp>
+        <p:nvSpPr>
+          <p:cNvPr id="31" name="TextBox 30">
+            <a:extLst>
+              <a:ext uri="{FF2B5EF4-FFF2-40B4-BE49-F238E27FC236}">
+                <a16:creationId xmlns:a16="http://schemas.microsoft.com/office/drawing/2014/main" id="{771653EF-9980-854D-9A62-47564C9C00B2}"/>
+              </a:ext>
+            </a:extLst>
+          </p:cNvPr>
+          <p:cNvSpPr txBox="1"/>
+          <p:nvPr/>
+        </p:nvSpPr>
+        <p:spPr>
+          <a:xfrm>
+            <a:off x="0" y="6538912"/>
+            <a:ext cx="1564787" cy="276999"/>
+          </a:xfrm>
+          <a:prstGeom prst="rect">
+            <a:avLst/>
+          </a:prstGeom>
+          <a:noFill/>
+        </p:spPr>
+        <p:txBody>
+          <a:bodyPr wrap="none" rtlCol="0">
+            <a:spAutoFit/>
+          </a:bodyPr>
+          <a:lstStyle/>
+          <a:p>
+            <a:r>
+              <a:rPr lang="en-US" sz="1200" dirty="0">
+                <a:solidFill>
+                  <a:schemeClr val="tx1">
+                    <a:lumMod val="50000"/>
+                    <a:lumOff val="50000"/>
+                  </a:schemeClr>
+                </a:solidFill>
+              </a:rPr>
+              <a:t>PAT06_GaussMix.pptx</a:t>
+            </a:r>
+          </a:p>
+        </p:txBody>
+      </p:sp>
     </p:spTree>
     <p:extLst>
       <p:ext uri="{BB962C8B-B14F-4D97-AF65-F5344CB8AC3E}">
